--- a/Introduction/epigenetics_gene_regulation_figure.pptx
+++ b/Introduction/epigenetics_gene_regulation_figure.pptx
@@ -6,6 +6,7 @@
   </p:sldMasterIdLst>
   <p:sldIdLst>
     <p:sldId id="256" r:id="rId2"/>
+    <p:sldId id="257" r:id="rId3"/>
   </p:sldIdLst>
   <p:sldSz cx="9144000" cy="6858000" type="screen4x3"/>
   <p:notesSz cx="6858000" cy="9144000"/>
@@ -243,7 +244,7 @@
           <a:p>
             <a:fld id="{9CB17A0B-8C87-4EBD-BD1D-534AEC2F2814}" type="datetimeFigureOut">
               <a:rPr lang="en-US" smtClean="0"/>
-              <a:t>1/3/2019</a:t>
+              <a:t>1/7/2019</a:t>
             </a:fld>
             <a:endParaRPr lang="en-US"/>
           </a:p>
@@ -413,7 +414,7 @@
           <a:p>
             <a:fld id="{9CB17A0B-8C87-4EBD-BD1D-534AEC2F2814}" type="datetimeFigureOut">
               <a:rPr lang="en-US" smtClean="0"/>
-              <a:t>1/3/2019</a:t>
+              <a:t>1/7/2019</a:t>
             </a:fld>
             <a:endParaRPr lang="en-US"/>
           </a:p>
@@ -593,7 +594,7 @@
           <a:p>
             <a:fld id="{9CB17A0B-8C87-4EBD-BD1D-534AEC2F2814}" type="datetimeFigureOut">
               <a:rPr lang="en-US" smtClean="0"/>
-              <a:t>1/3/2019</a:t>
+              <a:t>1/7/2019</a:t>
             </a:fld>
             <a:endParaRPr lang="en-US"/>
           </a:p>
@@ -763,7 +764,7 @@
           <a:p>
             <a:fld id="{9CB17A0B-8C87-4EBD-BD1D-534AEC2F2814}" type="datetimeFigureOut">
               <a:rPr lang="en-US" smtClean="0"/>
-              <a:t>1/3/2019</a:t>
+              <a:t>1/7/2019</a:t>
             </a:fld>
             <a:endParaRPr lang="en-US"/>
           </a:p>
@@ -1007,7 +1008,7 @@
           <a:p>
             <a:fld id="{9CB17A0B-8C87-4EBD-BD1D-534AEC2F2814}" type="datetimeFigureOut">
               <a:rPr lang="en-US" smtClean="0"/>
-              <a:t>1/3/2019</a:t>
+              <a:t>1/7/2019</a:t>
             </a:fld>
             <a:endParaRPr lang="en-US"/>
           </a:p>
@@ -1239,7 +1240,7 @@
           <a:p>
             <a:fld id="{9CB17A0B-8C87-4EBD-BD1D-534AEC2F2814}" type="datetimeFigureOut">
               <a:rPr lang="en-US" smtClean="0"/>
-              <a:t>1/3/2019</a:t>
+              <a:t>1/7/2019</a:t>
             </a:fld>
             <a:endParaRPr lang="en-US"/>
           </a:p>
@@ -1606,7 +1607,7 @@
           <a:p>
             <a:fld id="{9CB17A0B-8C87-4EBD-BD1D-534AEC2F2814}" type="datetimeFigureOut">
               <a:rPr lang="en-US" smtClean="0"/>
-              <a:t>1/3/2019</a:t>
+              <a:t>1/7/2019</a:t>
             </a:fld>
             <a:endParaRPr lang="en-US"/>
           </a:p>
@@ -1724,7 +1725,7 @@
           <a:p>
             <a:fld id="{9CB17A0B-8C87-4EBD-BD1D-534AEC2F2814}" type="datetimeFigureOut">
               <a:rPr lang="en-US" smtClean="0"/>
-              <a:t>1/3/2019</a:t>
+              <a:t>1/7/2019</a:t>
             </a:fld>
             <a:endParaRPr lang="en-US"/>
           </a:p>
@@ -1819,7 +1820,7 @@
           <a:p>
             <a:fld id="{9CB17A0B-8C87-4EBD-BD1D-534AEC2F2814}" type="datetimeFigureOut">
               <a:rPr lang="en-US" smtClean="0"/>
-              <a:t>1/3/2019</a:t>
+              <a:t>1/7/2019</a:t>
             </a:fld>
             <a:endParaRPr lang="en-US"/>
           </a:p>
@@ -2096,7 +2097,7 @@
           <a:p>
             <a:fld id="{9CB17A0B-8C87-4EBD-BD1D-534AEC2F2814}" type="datetimeFigureOut">
               <a:rPr lang="en-US" smtClean="0"/>
-              <a:t>1/3/2019</a:t>
+              <a:t>1/7/2019</a:t>
             </a:fld>
             <a:endParaRPr lang="en-US"/>
           </a:p>
@@ -2353,7 +2354,7 @@
           <a:p>
             <a:fld id="{9CB17A0B-8C87-4EBD-BD1D-534AEC2F2814}" type="datetimeFigureOut">
               <a:rPr lang="en-US" smtClean="0"/>
-              <a:t>1/3/2019</a:t>
+              <a:t>1/7/2019</a:t>
             </a:fld>
             <a:endParaRPr lang="en-US"/>
           </a:p>
@@ -2566,7 +2567,7 @@
           <a:p>
             <a:fld id="{9CB17A0B-8C87-4EBD-BD1D-534AEC2F2814}" type="datetimeFigureOut">
               <a:rPr lang="en-US" smtClean="0"/>
-              <a:t>1/3/2019</a:t>
+              <a:t>1/7/2019</a:t>
             </a:fld>
             <a:endParaRPr lang="en-US"/>
           </a:p>
@@ -3630,7 +3631,7 @@
           <a:lstStyle/>
           <a:p>
             <a:r>
-              <a:rPr lang="en-US"/>
+              <a:rPr lang="en-US" dirty="0"/>
               <a:t>https://www.nature.com/articles/nrg2957</a:t>
             </a:r>
           </a:p>
@@ -3709,6 +3710,3965 @@
       </p:par>
     </p:tnLst>
   </p:timing>
+</p:sld>
+</file>
+
+<file path=ppt/slides/slide2.xml><?xml version="1.0" encoding="utf-8"?>
+<p:sld xmlns:a="http://schemas.openxmlformats.org/drawingml/2006/main" xmlns:r="http://schemas.openxmlformats.org/officeDocument/2006/relationships" xmlns:p="http://schemas.openxmlformats.org/presentationml/2006/main">
+  <p:cSld>
+    <p:spTree>
+      <p:nvGrpSpPr>
+        <p:cNvPr id="1" name=""/>
+        <p:cNvGrpSpPr/>
+        <p:nvPr/>
+      </p:nvGrpSpPr>
+      <p:grpSpPr>
+        <a:xfrm>
+          <a:off x="0" y="0"/>
+          <a:ext cx="0" cy="0"/>
+          <a:chOff x="0" y="0"/>
+          <a:chExt cx="0" cy="0"/>
+        </a:xfrm>
+      </p:grpSpPr>
+      <p:pic>
+        <p:nvPicPr>
+          <p:cNvPr id="4" name="Picture 2" descr="Enhancers and their features."/>
+          <p:cNvPicPr>
+            <a:picLocks noChangeAspect="1" noChangeArrowheads="1"/>
+          </p:cNvPicPr>
+          <p:nvPr/>
+        </p:nvPicPr>
+        <p:blipFill rotWithShape="1">
+          <a:blip r:embed="rId2">
+            <a:extLst>
+              <a:ext uri="{28A0092B-C50C-407E-A947-70E740481C1C}">
+                <a14:useLocalDpi xmlns:a14="http://schemas.microsoft.com/office/drawing/2010/main" val="0"/>
+              </a:ext>
+            </a:extLst>
+          </a:blip>
+          <a:srcRect r="18418"/>
+          <a:stretch/>
+        </p:blipFill>
+        <p:spPr bwMode="auto">
+          <a:xfrm>
+            <a:off x="-2751567" y="6090209"/>
+            <a:ext cx="4958720" cy="6225969"/>
+          </a:xfrm>
+          <a:prstGeom prst="rect">
+            <a:avLst/>
+          </a:prstGeom>
+          <a:noFill/>
+          <a:ln>
+            <a:solidFill>
+              <a:schemeClr val="tx1"/>
+            </a:solidFill>
+          </a:ln>
+          <a:extLst>
+            <a:ext uri="{909E8E84-426E-40DD-AFC4-6F175D3DCCD1}">
+              <a14:hiddenFill xmlns:a14="http://schemas.microsoft.com/office/drawing/2010/main">
+                <a:solidFill>
+                  <a:srgbClr val="FFFFFF"/>
+                </a:solidFill>
+              </a14:hiddenFill>
+            </a:ext>
+          </a:extLst>
+        </p:spPr>
+      </p:pic>
+      <p:sp>
+        <p:nvSpPr>
+          <p:cNvPr id="11" name="Freeform 10"/>
+          <p:cNvSpPr/>
+          <p:nvPr/>
+        </p:nvSpPr>
+        <p:spPr>
+          <a:xfrm>
+            <a:off x="304800" y="1524000"/>
+            <a:ext cx="8201891" cy="3241964"/>
+          </a:xfrm>
+          <a:custGeom>
+            <a:avLst/>
+            <a:gdLst>
+              <a:gd name="connsiteX0" fmla="*/ 0 w 8201891"/>
+              <a:gd name="connsiteY0" fmla="*/ 1283855 h 3241964"/>
+              <a:gd name="connsiteX1" fmla="*/ 36945 w 8201891"/>
+              <a:gd name="connsiteY1" fmla="*/ 1191491 h 3241964"/>
+              <a:gd name="connsiteX2" fmla="*/ 64655 w 8201891"/>
+              <a:gd name="connsiteY2" fmla="*/ 1182255 h 3241964"/>
+              <a:gd name="connsiteX3" fmla="*/ 120073 w 8201891"/>
+              <a:gd name="connsiteY3" fmla="*/ 1145309 h 3241964"/>
+              <a:gd name="connsiteX4" fmla="*/ 184727 w 8201891"/>
+              <a:gd name="connsiteY4" fmla="*/ 1099127 h 3241964"/>
+              <a:gd name="connsiteX5" fmla="*/ 230909 w 8201891"/>
+              <a:gd name="connsiteY5" fmla="*/ 1071418 h 3241964"/>
+              <a:gd name="connsiteX6" fmla="*/ 258618 w 8201891"/>
+              <a:gd name="connsiteY6" fmla="*/ 1043709 h 3241964"/>
+              <a:gd name="connsiteX7" fmla="*/ 314036 w 8201891"/>
+              <a:gd name="connsiteY7" fmla="*/ 1006764 h 3241964"/>
+              <a:gd name="connsiteX8" fmla="*/ 434109 w 8201891"/>
+              <a:gd name="connsiteY8" fmla="*/ 942109 h 3241964"/>
+              <a:gd name="connsiteX9" fmla="*/ 535709 w 8201891"/>
+              <a:gd name="connsiteY9" fmla="*/ 914400 h 3241964"/>
+              <a:gd name="connsiteX10" fmla="*/ 646545 w 8201891"/>
+              <a:gd name="connsiteY10" fmla="*/ 858982 h 3241964"/>
+              <a:gd name="connsiteX11" fmla="*/ 766618 w 8201891"/>
+              <a:gd name="connsiteY11" fmla="*/ 812800 h 3241964"/>
+              <a:gd name="connsiteX12" fmla="*/ 831273 w 8201891"/>
+              <a:gd name="connsiteY12" fmla="*/ 775855 h 3241964"/>
+              <a:gd name="connsiteX13" fmla="*/ 951345 w 8201891"/>
+              <a:gd name="connsiteY13" fmla="*/ 729673 h 3241964"/>
+              <a:gd name="connsiteX14" fmla="*/ 1006764 w 8201891"/>
+              <a:gd name="connsiteY14" fmla="*/ 711200 h 3241964"/>
+              <a:gd name="connsiteX15" fmla="*/ 1136073 w 8201891"/>
+              <a:gd name="connsiteY15" fmla="*/ 701964 h 3241964"/>
+              <a:gd name="connsiteX16" fmla="*/ 1782618 w 8201891"/>
+              <a:gd name="connsiteY16" fmla="*/ 720436 h 3241964"/>
+              <a:gd name="connsiteX17" fmla="*/ 1930400 w 8201891"/>
+              <a:gd name="connsiteY17" fmla="*/ 757382 h 3241964"/>
+              <a:gd name="connsiteX18" fmla="*/ 2013527 w 8201891"/>
+              <a:gd name="connsiteY18" fmla="*/ 766618 h 3241964"/>
+              <a:gd name="connsiteX19" fmla="*/ 2105891 w 8201891"/>
+              <a:gd name="connsiteY19" fmla="*/ 794327 h 3241964"/>
+              <a:gd name="connsiteX20" fmla="*/ 2133600 w 8201891"/>
+              <a:gd name="connsiteY20" fmla="*/ 803564 h 3241964"/>
+              <a:gd name="connsiteX21" fmla="*/ 2225964 w 8201891"/>
+              <a:gd name="connsiteY21" fmla="*/ 822036 h 3241964"/>
+              <a:gd name="connsiteX22" fmla="*/ 2262909 w 8201891"/>
+              <a:gd name="connsiteY22" fmla="*/ 831273 h 3241964"/>
+              <a:gd name="connsiteX23" fmla="*/ 2318327 w 8201891"/>
+              <a:gd name="connsiteY23" fmla="*/ 840509 h 3241964"/>
+              <a:gd name="connsiteX24" fmla="*/ 2410691 w 8201891"/>
+              <a:gd name="connsiteY24" fmla="*/ 858982 h 3241964"/>
+              <a:gd name="connsiteX25" fmla="*/ 2540000 w 8201891"/>
+              <a:gd name="connsiteY25" fmla="*/ 868218 h 3241964"/>
+              <a:gd name="connsiteX26" fmla="*/ 2613891 w 8201891"/>
+              <a:gd name="connsiteY26" fmla="*/ 886691 h 3241964"/>
+              <a:gd name="connsiteX27" fmla="*/ 2641600 w 8201891"/>
+              <a:gd name="connsiteY27" fmla="*/ 895927 h 3241964"/>
+              <a:gd name="connsiteX28" fmla="*/ 3205018 w 8201891"/>
+              <a:gd name="connsiteY28" fmla="*/ 877455 h 3241964"/>
+              <a:gd name="connsiteX29" fmla="*/ 3278909 w 8201891"/>
+              <a:gd name="connsiteY29" fmla="*/ 868218 h 3241964"/>
+              <a:gd name="connsiteX30" fmla="*/ 3325091 w 8201891"/>
+              <a:gd name="connsiteY30" fmla="*/ 858982 h 3241964"/>
+              <a:gd name="connsiteX31" fmla="*/ 3417455 w 8201891"/>
+              <a:gd name="connsiteY31" fmla="*/ 849745 h 3241964"/>
+              <a:gd name="connsiteX32" fmla="*/ 3472873 w 8201891"/>
+              <a:gd name="connsiteY32" fmla="*/ 840509 h 3241964"/>
+              <a:gd name="connsiteX33" fmla="*/ 4627418 w 8201891"/>
+              <a:gd name="connsiteY33" fmla="*/ 831273 h 3241964"/>
+              <a:gd name="connsiteX34" fmla="*/ 4802909 w 8201891"/>
+              <a:gd name="connsiteY34" fmla="*/ 812800 h 3241964"/>
+              <a:gd name="connsiteX35" fmla="*/ 4922982 w 8201891"/>
+              <a:gd name="connsiteY35" fmla="*/ 794327 h 3241964"/>
+              <a:gd name="connsiteX36" fmla="*/ 4969164 w 8201891"/>
+              <a:gd name="connsiteY36" fmla="*/ 785091 h 3241964"/>
+              <a:gd name="connsiteX37" fmla="*/ 5052291 w 8201891"/>
+              <a:gd name="connsiteY37" fmla="*/ 757382 h 3241964"/>
+              <a:gd name="connsiteX38" fmla="*/ 5089236 w 8201891"/>
+              <a:gd name="connsiteY38" fmla="*/ 748145 h 3241964"/>
+              <a:gd name="connsiteX39" fmla="*/ 5126182 w 8201891"/>
+              <a:gd name="connsiteY39" fmla="*/ 729673 h 3241964"/>
+              <a:gd name="connsiteX40" fmla="*/ 5163127 w 8201891"/>
+              <a:gd name="connsiteY40" fmla="*/ 720436 h 3241964"/>
+              <a:gd name="connsiteX41" fmla="*/ 5255491 w 8201891"/>
+              <a:gd name="connsiteY41" fmla="*/ 701964 h 3241964"/>
+              <a:gd name="connsiteX42" fmla="*/ 5283200 w 8201891"/>
+              <a:gd name="connsiteY42" fmla="*/ 692727 h 3241964"/>
+              <a:gd name="connsiteX43" fmla="*/ 5384800 w 8201891"/>
+              <a:gd name="connsiteY43" fmla="*/ 665018 h 3241964"/>
+              <a:gd name="connsiteX44" fmla="*/ 5421745 w 8201891"/>
+              <a:gd name="connsiteY44" fmla="*/ 637309 h 3241964"/>
+              <a:gd name="connsiteX45" fmla="*/ 5449455 w 8201891"/>
+              <a:gd name="connsiteY45" fmla="*/ 609600 h 3241964"/>
+              <a:gd name="connsiteX46" fmla="*/ 5504873 w 8201891"/>
+              <a:gd name="connsiteY46" fmla="*/ 563418 h 3241964"/>
+              <a:gd name="connsiteX47" fmla="*/ 5514109 w 8201891"/>
+              <a:gd name="connsiteY47" fmla="*/ 508000 h 3241964"/>
+              <a:gd name="connsiteX48" fmla="*/ 5523345 w 8201891"/>
+              <a:gd name="connsiteY48" fmla="*/ 480291 h 3241964"/>
+              <a:gd name="connsiteX49" fmla="*/ 5532582 w 8201891"/>
+              <a:gd name="connsiteY49" fmla="*/ 424873 h 3241964"/>
+              <a:gd name="connsiteX50" fmla="*/ 5624945 w 8201891"/>
+              <a:gd name="connsiteY50" fmla="*/ 323273 h 3241964"/>
+              <a:gd name="connsiteX51" fmla="*/ 5643418 w 8201891"/>
+              <a:gd name="connsiteY51" fmla="*/ 295564 h 3241964"/>
+              <a:gd name="connsiteX52" fmla="*/ 5671127 w 8201891"/>
+              <a:gd name="connsiteY52" fmla="*/ 240145 h 3241964"/>
+              <a:gd name="connsiteX53" fmla="*/ 5708073 w 8201891"/>
+              <a:gd name="connsiteY53" fmla="*/ 221673 h 3241964"/>
+              <a:gd name="connsiteX54" fmla="*/ 5772727 w 8201891"/>
+              <a:gd name="connsiteY54" fmla="*/ 166255 h 3241964"/>
+              <a:gd name="connsiteX55" fmla="*/ 5800436 w 8201891"/>
+              <a:gd name="connsiteY55" fmla="*/ 157018 h 3241964"/>
+              <a:gd name="connsiteX56" fmla="*/ 5855855 w 8201891"/>
+              <a:gd name="connsiteY56" fmla="*/ 110836 h 3241964"/>
+              <a:gd name="connsiteX57" fmla="*/ 5911273 w 8201891"/>
+              <a:gd name="connsiteY57" fmla="*/ 101600 h 3241964"/>
+              <a:gd name="connsiteX58" fmla="*/ 5994400 w 8201891"/>
+              <a:gd name="connsiteY58" fmla="*/ 83127 h 3241964"/>
+              <a:gd name="connsiteX59" fmla="*/ 6105236 w 8201891"/>
+              <a:gd name="connsiteY59" fmla="*/ 64655 h 3241964"/>
+              <a:gd name="connsiteX60" fmla="*/ 6142182 w 8201891"/>
+              <a:gd name="connsiteY60" fmla="*/ 55418 h 3241964"/>
+              <a:gd name="connsiteX61" fmla="*/ 6188364 w 8201891"/>
+              <a:gd name="connsiteY61" fmla="*/ 46182 h 3241964"/>
+              <a:gd name="connsiteX62" fmla="*/ 6216073 w 8201891"/>
+              <a:gd name="connsiteY62" fmla="*/ 36945 h 3241964"/>
+              <a:gd name="connsiteX63" fmla="*/ 6317673 w 8201891"/>
+              <a:gd name="connsiteY63" fmla="*/ 18473 h 3241964"/>
+              <a:gd name="connsiteX64" fmla="*/ 6520873 w 8201891"/>
+              <a:gd name="connsiteY64" fmla="*/ 0 h 3241964"/>
+              <a:gd name="connsiteX65" fmla="*/ 6991927 w 8201891"/>
+              <a:gd name="connsiteY65" fmla="*/ 9236 h 3241964"/>
+              <a:gd name="connsiteX66" fmla="*/ 7185891 w 8201891"/>
+              <a:gd name="connsiteY66" fmla="*/ 46182 h 3241964"/>
+              <a:gd name="connsiteX67" fmla="*/ 7389091 w 8201891"/>
+              <a:gd name="connsiteY67" fmla="*/ 73891 h 3241964"/>
+              <a:gd name="connsiteX68" fmla="*/ 7426036 w 8201891"/>
+              <a:gd name="connsiteY68" fmla="*/ 83127 h 3241964"/>
+              <a:gd name="connsiteX69" fmla="*/ 7481455 w 8201891"/>
+              <a:gd name="connsiteY69" fmla="*/ 110836 h 3241964"/>
+              <a:gd name="connsiteX70" fmla="*/ 7564582 w 8201891"/>
+              <a:gd name="connsiteY70" fmla="*/ 129309 h 3241964"/>
+              <a:gd name="connsiteX71" fmla="*/ 7629236 w 8201891"/>
+              <a:gd name="connsiteY71" fmla="*/ 175491 h 3241964"/>
+              <a:gd name="connsiteX72" fmla="*/ 7684655 w 8201891"/>
+              <a:gd name="connsiteY72" fmla="*/ 193964 h 3241964"/>
+              <a:gd name="connsiteX73" fmla="*/ 7721600 w 8201891"/>
+              <a:gd name="connsiteY73" fmla="*/ 221673 h 3241964"/>
+              <a:gd name="connsiteX74" fmla="*/ 7749309 w 8201891"/>
+              <a:gd name="connsiteY74" fmla="*/ 240145 h 3241964"/>
+              <a:gd name="connsiteX75" fmla="*/ 7823200 w 8201891"/>
+              <a:gd name="connsiteY75" fmla="*/ 295564 h 3241964"/>
+              <a:gd name="connsiteX76" fmla="*/ 7924800 w 8201891"/>
+              <a:gd name="connsiteY76" fmla="*/ 415636 h 3241964"/>
+              <a:gd name="connsiteX77" fmla="*/ 8017164 w 8201891"/>
+              <a:gd name="connsiteY77" fmla="*/ 517236 h 3241964"/>
+              <a:gd name="connsiteX78" fmla="*/ 8081818 w 8201891"/>
+              <a:gd name="connsiteY78" fmla="*/ 572655 h 3241964"/>
+              <a:gd name="connsiteX79" fmla="*/ 8128000 w 8201891"/>
+              <a:gd name="connsiteY79" fmla="*/ 618836 h 3241964"/>
+              <a:gd name="connsiteX80" fmla="*/ 8146473 w 8201891"/>
+              <a:gd name="connsiteY80" fmla="*/ 655782 h 3241964"/>
+              <a:gd name="connsiteX81" fmla="*/ 8174182 w 8201891"/>
+              <a:gd name="connsiteY81" fmla="*/ 683491 h 3241964"/>
+              <a:gd name="connsiteX82" fmla="*/ 8183418 w 8201891"/>
+              <a:gd name="connsiteY82" fmla="*/ 711200 h 3241964"/>
+              <a:gd name="connsiteX83" fmla="*/ 8201891 w 8201891"/>
+              <a:gd name="connsiteY83" fmla="*/ 785091 h 3241964"/>
+              <a:gd name="connsiteX84" fmla="*/ 8183418 w 8201891"/>
+              <a:gd name="connsiteY84" fmla="*/ 1145309 h 3241964"/>
+              <a:gd name="connsiteX85" fmla="*/ 8155709 w 8201891"/>
+              <a:gd name="connsiteY85" fmla="*/ 1219200 h 3241964"/>
+              <a:gd name="connsiteX86" fmla="*/ 8100291 w 8201891"/>
+              <a:gd name="connsiteY86" fmla="*/ 1431636 h 3241964"/>
+              <a:gd name="connsiteX87" fmla="*/ 8054109 w 8201891"/>
+              <a:gd name="connsiteY87" fmla="*/ 1542473 h 3241964"/>
+              <a:gd name="connsiteX88" fmla="*/ 8035636 w 8201891"/>
+              <a:gd name="connsiteY88" fmla="*/ 1579418 h 3241964"/>
+              <a:gd name="connsiteX89" fmla="*/ 8007927 w 8201891"/>
+              <a:gd name="connsiteY89" fmla="*/ 1607127 h 3241964"/>
+              <a:gd name="connsiteX90" fmla="*/ 7952509 w 8201891"/>
+              <a:gd name="connsiteY90" fmla="*/ 1717964 h 3241964"/>
+              <a:gd name="connsiteX91" fmla="*/ 7887855 w 8201891"/>
+              <a:gd name="connsiteY91" fmla="*/ 1791855 h 3241964"/>
+              <a:gd name="connsiteX92" fmla="*/ 7878618 w 8201891"/>
+              <a:gd name="connsiteY92" fmla="*/ 1819564 h 3241964"/>
+              <a:gd name="connsiteX93" fmla="*/ 7813964 w 8201891"/>
+              <a:gd name="connsiteY93" fmla="*/ 1884218 h 3241964"/>
+              <a:gd name="connsiteX94" fmla="*/ 7795491 w 8201891"/>
+              <a:gd name="connsiteY94" fmla="*/ 1930400 h 3241964"/>
+              <a:gd name="connsiteX95" fmla="*/ 7758545 w 8201891"/>
+              <a:gd name="connsiteY95" fmla="*/ 1958109 h 3241964"/>
+              <a:gd name="connsiteX96" fmla="*/ 7730836 w 8201891"/>
+              <a:gd name="connsiteY96" fmla="*/ 1985818 h 3241964"/>
+              <a:gd name="connsiteX97" fmla="*/ 7666182 w 8201891"/>
+              <a:gd name="connsiteY97" fmla="*/ 2032000 h 3241964"/>
+              <a:gd name="connsiteX98" fmla="*/ 7555345 w 8201891"/>
+              <a:gd name="connsiteY98" fmla="*/ 2133600 h 3241964"/>
+              <a:gd name="connsiteX99" fmla="*/ 7509164 w 8201891"/>
+              <a:gd name="connsiteY99" fmla="*/ 2152073 h 3241964"/>
+              <a:gd name="connsiteX100" fmla="*/ 7462982 w 8201891"/>
+              <a:gd name="connsiteY100" fmla="*/ 2189018 h 3241964"/>
+              <a:gd name="connsiteX101" fmla="*/ 7278255 w 8201891"/>
+              <a:gd name="connsiteY101" fmla="*/ 2327564 h 3241964"/>
+              <a:gd name="connsiteX102" fmla="*/ 7222836 w 8201891"/>
+              <a:gd name="connsiteY102" fmla="*/ 2346036 h 3241964"/>
+              <a:gd name="connsiteX103" fmla="*/ 7195127 w 8201891"/>
+              <a:gd name="connsiteY103" fmla="*/ 2355273 h 3241964"/>
+              <a:gd name="connsiteX104" fmla="*/ 7158182 w 8201891"/>
+              <a:gd name="connsiteY104" fmla="*/ 2382982 h 3241964"/>
+              <a:gd name="connsiteX105" fmla="*/ 7056582 w 8201891"/>
+              <a:gd name="connsiteY105" fmla="*/ 2401455 h 3241964"/>
+              <a:gd name="connsiteX106" fmla="*/ 6881091 w 8201891"/>
+              <a:gd name="connsiteY106" fmla="*/ 2429164 h 3241964"/>
+              <a:gd name="connsiteX107" fmla="*/ 6253018 w 8201891"/>
+              <a:gd name="connsiteY107" fmla="*/ 2475345 h 3241964"/>
+              <a:gd name="connsiteX108" fmla="*/ 6003636 w 8201891"/>
+              <a:gd name="connsiteY108" fmla="*/ 2512291 h 3241964"/>
+              <a:gd name="connsiteX109" fmla="*/ 5892800 w 8201891"/>
+              <a:gd name="connsiteY109" fmla="*/ 2521527 h 3241964"/>
+              <a:gd name="connsiteX110" fmla="*/ 4941455 w 8201891"/>
+              <a:gd name="connsiteY110" fmla="*/ 2521527 h 3241964"/>
+              <a:gd name="connsiteX111" fmla="*/ 4876800 w 8201891"/>
+              <a:gd name="connsiteY111" fmla="*/ 2493818 h 3241964"/>
+              <a:gd name="connsiteX112" fmla="*/ 4756727 w 8201891"/>
+              <a:gd name="connsiteY112" fmla="*/ 2475345 h 3241964"/>
+              <a:gd name="connsiteX113" fmla="*/ 4701309 w 8201891"/>
+              <a:gd name="connsiteY113" fmla="*/ 2438400 h 3241964"/>
+              <a:gd name="connsiteX114" fmla="*/ 4673600 w 8201891"/>
+              <a:gd name="connsiteY114" fmla="*/ 2429164 h 3241964"/>
+              <a:gd name="connsiteX115" fmla="*/ 4581236 w 8201891"/>
+              <a:gd name="connsiteY115" fmla="*/ 2373745 h 3241964"/>
+              <a:gd name="connsiteX116" fmla="*/ 4516582 w 8201891"/>
+              <a:gd name="connsiteY116" fmla="*/ 2336800 h 3241964"/>
+              <a:gd name="connsiteX117" fmla="*/ 4470400 w 8201891"/>
+              <a:gd name="connsiteY117" fmla="*/ 2318327 h 3241964"/>
+              <a:gd name="connsiteX118" fmla="*/ 4396509 w 8201891"/>
+              <a:gd name="connsiteY118" fmla="*/ 2262909 h 3241964"/>
+              <a:gd name="connsiteX119" fmla="*/ 4378036 w 8201891"/>
+              <a:gd name="connsiteY119" fmla="*/ 2225964 h 3241964"/>
+              <a:gd name="connsiteX120" fmla="*/ 4331855 w 8201891"/>
+              <a:gd name="connsiteY120" fmla="*/ 2198255 h 3241964"/>
+              <a:gd name="connsiteX121" fmla="*/ 4304145 w 8201891"/>
+              <a:gd name="connsiteY121" fmla="*/ 2179782 h 3241964"/>
+              <a:gd name="connsiteX122" fmla="*/ 4285673 w 8201891"/>
+              <a:gd name="connsiteY122" fmla="*/ 2152073 h 3241964"/>
+              <a:gd name="connsiteX123" fmla="*/ 4239491 w 8201891"/>
+              <a:gd name="connsiteY123" fmla="*/ 2105891 h 3241964"/>
+              <a:gd name="connsiteX124" fmla="*/ 4211782 w 8201891"/>
+              <a:gd name="connsiteY124" fmla="*/ 2041236 h 3241964"/>
+              <a:gd name="connsiteX125" fmla="*/ 4174836 w 8201891"/>
+              <a:gd name="connsiteY125" fmla="*/ 1995055 h 3241964"/>
+              <a:gd name="connsiteX126" fmla="*/ 4128655 w 8201891"/>
+              <a:gd name="connsiteY126" fmla="*/ 1930400 h 3241964"/>
+              <a:gd name="connsiteX127" fmla="*/ 4110182 w 8201891"/>
+              <a:gd name="connsiteY127" fmla="*/ 1884218 h 3241964"/>
+              <a:gd name="connsiteX128" fmla="*/ 4073236 w 8201891"/>
+              <a:gd name="connsiteY128" fmla="*/ 1838036 h 3241964"/>
+              <a:gd name="connsiteX129" fmla="*/ 4017818 w 8201891"/>
+              <a:gd name="connsiteY129" fmla="*/ 1773382 h 3241964"/>
+              <a:gd name="connsiteX130" fmla="*/ 3990109 w 8201891"/>
+              <a:gd name="connsiteY130" fmla="*/ 1699491 h 3241964"/>
+              <a:gd name="connsiteX131" fmla="*/ 3953164 w 8201891"/>
+              <a:gd name="connsiteY131" fmla="*/ 1671782 h 3241964"/>
+              <a:gd name="connsiteX132" fmla="*/ 3943927 w 8201891"/>
+              <a:gd name="connsiteY132" fmla="*/ 1634836 h 3241964"/>
+              <a:gd name="connsiteX133" fmla="*/ 3916218 w 8201891"/>
+              <a:gd name="connsiteY133" fmla="*/ 1597891 h 3241964"/>
+              <a:gd name="connsiteX134" fmla="*/ 3897745 w 8201891"/>
+              <a:gd name="connsiteY134" fmla="*/ 1570182 h 3241964"/>
+              <a:gd name="connsiteX135" fmla="*/ 3870036 w 8201891"/>
+              <a:gd name="connsiteY135" fmla="*/ 1514764 h 3241964"/>
+              <a:gd name="connsiteX136" fmla="*/ 3860800 w 8201891"/>
+              <a:gd name="connsiteY136" fmla="*/ 1487055 h 3241964"/>
+              <a:gd name="connsiteX137" fmla="*/ 3823855 w 8201891"/>
+              <a:gd name="connsiteY137" fmla="*/ 1431636 h 3241964"/>
+              <a:gd name="connsiteX138" fmla="*/ 3786909 w 8201891"/>
+              <a:gd name="connsiteY138" fmla="*/ 1366982 h 3241964"/>
+              <a:gd name="connsiteX139" fmla="*/ 3740727 w 8201891"/>
+              <a:gd name="connsiteY139" fmla="*/ 1293091 h 3241964"/>
+              <a:gd name="connsiteX140" fmla="*/ 3722255 w 8201891"/>
+              <a:gd name="connsiteY140" fmla="*/ 1265382 h 3241964"/>
+              <a:gd name="connsiteX141" fmla="*/ 3703782 w 8201891"/>
+              <a:gd name="connsiteY141" fmla="*/ 1209964 h 3241964"/>
+              <a:gd name="connsiteX142" fmla="*/ 3666836 w 8201891"/>
+              <a:gd name="connsiteY142" fmla="*/ 1173018 h 3241964"/>
+              <a:gd name="connsiteX143" fmla="*/ 3629891 w 8201891"/>
+              <a:gd name="connsiteY143" fmla="*/ 1117600 h 3241964"/>
+              <a:gd name="connsiteX144" fmla="*/ 3583709 w 8201891"/>
+              <a:gd name="connsiteY144" fmla="*/ 1052945 h 3241964"/>
+              <a:gd name="connsiteX145" fmla="*/ 3556000 w 8201891"/>
+              <a:gd name="connsiteY145" fmla="*/ 1025236 h 3241964"/>
+              <a:gd name="connsiteX146" fmla="*/ 3500582 w 8201891"/>
+              <a:gd name="connsiteY146" fmla="*/ 988291 h 3241964"/>
+              <a:gd name="connsiteX147" fmla="*/ 3482109 w 8201891"/>
+              <a:gd name="connsiteY147" fmla="*/ 960582 h 3241964"/>
+              <a:gd name="connsiteX148" fmla="*/ 3398982 w 8201891"/>
+              <a:gd name="connsiteY148" fmla="*/ 923636 h 3241964"/>
+              <a:gd name="connsiteX149" fmla="*/ 3371273 w 8201891"/>
+              <a:gd name="connsiteY149" fmla="*/ 914400 h 3241964"/>
+              <a:gd name="connsiteX150" fmla="*/ 3343564 w 8201891"/>
+              <a:gd name="connsiteY150" fmla="*/ 905164 h 3241964"/>
+              <a:gd name="connsiteX151" fmla="*/ 3315855 w 8201891"/>
+              <a:gd name="connsiteY151" fmla="*/ 895927 h 3241964"/>
+              <a:gd name="connsiteX152" fmla="*/ 3177309 w 8201891"/>
+              <a:gd name="connsiteY152" fmla="*/ 914400 h 3241964"/>
+              <a:gd name="connsiteX153" fmla="*/ 3149600 w 8201891"/>
+              <a:gd name="connsiteY153" fmla="*/ 932873 h 3241964"/>
+              <a:gd name="connsiteX154" fmla="*/ 3121891 w 8201891"/>
+              <a:gd name="connsiteY154" fmla="*/ 942109 h 3241964"/>
+              <a:gd name="connsiteX155" fmla="*/ 3084945 w 8201891"/>
+              <a:gd name="connsiteY155" fmla="*/ 969818 h 3241964"/>
+              <a:gd name="connsiteX156" fmla="*/ 3057236 w 8201891"/>
+              <a:gd name="connsiteY156" fmla="*/ 979055 h 3241964"/>
+              <a:gd name="connsiteX157" fmla="*/ 2992582 w 8201891"/>
+              <a:gd name="connsiteY157" fmla="*/ 1006764 h 3241964"/>
+              <a:gd name="connsiteX158" fmla="*/ 2900218 w 8201891"/>
+              <a:gd name="connsiteY158" fmla="*/ 1089891 h 3241964"/>
+              <a:gd name="connsiteX159" fmla="*/ 2863273 w 8201891"/>
+              <a:gd name="connsiteY159" fmla="*/ 1117600 h 3241964"/>
+              <a:gd name="connsiteX160" fmla="*/ 2826327 w 8201891"/>
+              <a:gd name="connsiteY160" fmla="*/ 1136073 h 3241964"/>
+              <a:gd name="connsiteX161" fmla="*/ 2770909 w 8201891"/>
+              <a:gd name="connsiteY161" fmla="*/ 1163782 h 3241964"/>
+              <a:gd name="connsiteX162" fmla="*/ 2706255 w 8201891"/>
+              <a:gd name="connsiteY162" fmla="*/ 1209964 h 3241964"/>
+              <a:gd name="connsiteX163" fmla="*/ 2660073 w 8201891"/>
+              <a:gd name="connsiteY163" fmla="*/ 1237673 h 3241964"/>
+              <a:gd name="connsiteX164" fmla="*/ 2623127 w 8201891"/>
+              <a:gd name="connsiteY164" fmla="*/ 1265382 h 3241964"/>
+              <a:gd name="connsiteX165" fmla="*/ 2595418 w 8201891"/>
+              <a:gd name="connsiteY165" fmla="*/ 1293091 h 3241964"/>
+              <a:gd name="connsiteX166" fmla="*/ 2567709 w 8201891"/>
+              <a:gd name="connsiteY166" fmla="*/ 1302327 h 3241964"/>
+              <a:gd name="connsiteX167" fmla="*/ 2456873 w 8201891"/>
+              <a:gd name="connsiteY167" fmla="*/ 1376218 h 3241964"/>
+              <a:gd name="connsiteX168" fmla="*/ 2429164 w 8201891"/>
+              <a:gd name="connsiteY168" fmla="*/ 1394691 h 3241964"/>
+              <a:gd name="connsiteX169" fmla="*/ 2401455 w 8201891"/>
+              <a:gd name="connsiteY169" fmla="*/ 1422400 h 3241964"/>
+              <a:gd name="connsiteX170" fmla="*/ 2373745 w 8201891"/>
+              <a:gd name="connsiteY170" fmla="*/ 1431636 h 3241964"/>
+              <a:gd name="connsiteX171" fmla="*/ 2281382 w 8201891"/>
+              <a:gd name="connsiteY171" fmla="*/ 1514764 h 3241964"/>
+              <a:gd name="connsiteX172" fmla="*/ 2179782 w 8201891"/>
+              <a:gd name="connsiteY172" fmla="*/ 1570182 h 3241964"/>
+              <a:gd name="connsiteX173" fmla="*/ 2161309 w 8201891"/>
+              <a:gd name="connsiteY173" fmla="*/ 1597891 h 3241964"/>
+              <a:gd name="connsiteX174" fmla="*/ 2087418 w 8201891"/>
+              <a:gd name="connsiteY174" fmla="*/ 1662545 h 3241964"/>
+              <a:gd name="connsiteX175" fmla="*/ 2032000 w 8201891"/>
+              <a:gd name="connsiteY175" fmla="*/ 1727200 h 3241964"/>
+              <a:gd name="connsiteX176" fmla="*/ 1995055 w 8201891"/>
+              <a:gd name="connsiteY176" fmla="*/ 1745673 h 3241964"/>
+              <a:gd name="connsiteX177" fmla="*/ 1939636 w 8201891"/>
+              <a:gd name="connsiteY177" fmla="*/ 1782618 h 3241964"/>
+              <a:gd name="connsiteX178" fmla="*/ 1884218 w 8201891"/>
+              <a:gd name="connsiteY178" fmla="*/ 1828800 h 3241964"/>
+              <a:gd name="connsiteX179" fmla="*/ 1847273 w 8201891"/>
+              <a:gd name="connsiteY179" fmla="*/ 1884218 h 3241964"/>
+              <a:gd name="connsiteX180" fmla="*/ 1782618 w 8201891"/>
+              <a:gd name="connsiteY180" fmla="*/ 1967345 h 3241964"/>
+              <a:gd name="connsiteX181" fmla="*/ 1754909 w 8201891"/>
+              <a:gd name="connsiteY181" fmla="*/ 2004291 h 3241964"/>
+              <a:gd name="connsiteX182" fmla="*/ 1717964 w 8201891"/>
+              <a:gd name="connsiteY182" fmla="*/ 2059709 h 3241964"/>
+              <a:gd name="connsiteX183" fmla="*/ 1699491 w 8201891"/>
+              <a:gd name="connsiteY183" fmla="*/ 2087418 h 3241964"/>
+              <a:gd name="connsiteX184" fmla="*/ 1671782 w 8201891"/>
+              <a:gd name="connsiteY184" fmla="*/ 2096655 h 3241964"/>
+              <a:gd name="connsiteX185" fmla="*/ 1662545 w 8201891"/>
+              <a:gd name="connsiteY185" fmla="*/ 2124364 h 3241964"/>
+              <a:gd name="connsiteX186" fmla="*/ 1644073 w 8201891"/>
+              <a:gd name="connsiteY186" fmla="*/ 2152073 h 3241964"/>
+              <a:gd name="connsiteX187" fmla="*/ 1616364 w 8201891"/>
+              <a:gd name="connsiteY187" fmla="*/ 2262909 h 3241964"/>
+              <a:gd name="connsiteX188" fmla="*/ 1542473 w 8201891"/>
+              <a:gd name="connsiteY188" fmla="*/ 2401455 h 3241964"/>
+              <a:gd name="connsiteX189" fmla="*/ 1514764 w 8201891"/>
+              <a:gd name="connsiteY189" fmla="*/ 2466109 h 3241964"/>
+              <a:gd name="connsiteX190" fmla="*/ 1505527 w 8201891"/>
+              <a:gd name="connsiteY190" fmla="*/ 2549236 h 3241964"/>
+              <a:gd name="connsiteX191" fmla="*/ 1403927 w 8201891"/>
+              <a:gd name="connsiteY191" fmla="*/ 2724727 h 3241964"/>
+              <a:gd name="connsiteX192" fmla="*/ 1357745 w 8201891"/>
+              <a:gd name="connsiteY192" fmla="*/ 2826327 h 3241964"/>
+              <a:gd name="connsiteX193" fmla="*/ 1339273 w 8201891"/>
+              <a:gd name="connsiteY193" fmla="*/ 2872509 h 3241964"/>
+              <a:gd name="connsiteX194" fmla="*/ 1330036 w 8201891"/>
+              <a:gd name="connsiteY194" fmla="*/ 2900218 h 3241964"/>
+              <a:gd name="connsiteX195" fmla="*/ 1302327 w 8201891"/>
+              <a:gd name="connsiteY195" fmla="*/ 2918691 h 3241964"/>
+              <a:gd name="connsiteX196" fmla="*/ 1256145 w 8201891"/>
+              <a:gd name="connsiteY196" fmla="*/ 2974109 h 3241964"/>
+              <a:gd name="connsiteX197" fmla="*/ 1219200 w 8201891"/>
+              <a:gd name="connsiteY197" fmla="*/ 3029527 h 3241964"/>
+              <a:gd name="connsiteX198" fmla="*/ 1200727 w 8201891"/>
+              <a:gd name="connsiteY198" fmla="*/ 3066473 h 3241964"/>
+              <a:gd name="connsiteX199" fmla="*/ 1163782 w 8201891"/>
+              <a:gd name="connsiteY199" fmla="*/ 3084945 h 3241964"/>
+              <a:gd name="connsiteX200" fmla="*/ 1117600 w 8201891"/>
+              <a:gd name="connsiteY200" fmla="*/ 3112655 h 3241964"/>
+              <a:gd name="connsiteX201" fmla="*/ 1089891 w 8201891"/>
+              <a:gd name="connsiteY201" fmla="*/ 3131127 h 3241964"/>
+              <a:gd name="connsiteX202" fmla="*/ 1043709 w 8201891"/>
+              <a:gd name="connsiteY202" fmla="*/ 3168073 h 3241964"/>
+              <a:gd name="connsiteX203" fmla="*/ 1006764 w 8201891"/>
+              <a:gd name="connsiteY203" fmla="*/ 3177309 h 3241964"/>
+              <a:gd name="connsiteX204" fmla="*/ 951345 w 8201891"/>
+              <a:gd name="connsiteY204" fmla="*/ 3214255 h 3241964"/>
+              <a:gd name="connsiteX205" fmla="*/ 868218 w 8201891"/>
+              <a:gd name="connsiteY205" fmla="*/ 3241964 h 3241964"/>
+              <a:gd name="connsiteX206" fmla="*/ 341745 w 8201891"/>
+              <a:gd name="connsiteY206" fmla="*/ 3232727 h 3241964"/>
+              <a:gd name="connsiteX207" fmla="*/ 249382 w 8201891"/>
+              <a:gd name="connsiteY207" fmla="*/ 3195782 h 3241964"/>
+              <a:gd name="connsiteX208" fmla="*/ 193964 w 8201891"/>
+              <a:gd name="connsiteY208" fmla="*/ 3158836 h 3241964"/>
+              <a:gd name="connsiteX209" fmla="*/ 138545 w 8201891"/>
+              <a:gd name="connsiteY209" fmla="*/ 3140364 h 3241964"/>
+              <a:gd name="connsiteX210" fmla="*/ 110836 w 8201891"/>
+              <a:gd name="connsiteY210" fmla="*/ 3131127 h 3241964"/>
+              <a:gd name="connsiteX211" fmla="*/ 36945 w 8201891"/>
+              <a:gd name="connsiteY211" fmla="*/ 3084945 h 3241964"/>
+            </a:gdLst>
+            <a:ahLst/>
+            <a:cxnLst>
+              <a:cxn ang="0">
+                <a:pos x="connsiteX0" y="connsiteY0"/>
+              </a:cxn>
+              <a:cxn ang="0">
+                <a:pos x="connsiteX1" y="connsiteY1"/>
+              </a:cxn>
+              <a:cxn ang="0">
+                <a:pos x="connsiteX2" y="connsiteY2"/>
+              </a:cxn>
+              <a:cxn ang="0">
+                <a:pos x="connsiteX3" y="connsiteY3"/>
+              </a:cxn>
+              <a:cxn ang="0">
+                <a:pos x="connsiteX4" y="connsiteY4"/>
+              </a:cxn>
+              <a:cxn ang="0">
+                <a:pos x="connsiteX5" y="connsiteY5"/>
+              </a:cxn>
+              <a:cxn ang="0">
+                <a:pos x="connsiteX6" y="connsiteY6"/>
+              </a:cxn>
+              <a:cxn ang="0">
+                <a:pos x="connsiteX7" y="connsiteY7"/>
+              </a:cxn>
+              <a:cxn ang="0">
+                <a:pos x="connsiteX8" y="connsiteY8"/>
+              </a:cxn>
+              <a:cxn ang="0">
+                <a:pos x="connsiteX9" y="connsiteY9"/>
+              </a:cxn>
+              <a:cxn ang="0">
+                <a:pos x="connsiteX10" y="connsiteY10"/>
+              </a:cxn>
+              <a:cxn ang="0">
+                <a:pos x="connsiteX11" y="connsiteY11"/>
+              </a:cxn>
+              <a:cxn ang="0">
+                <a:pos x="connsiteX12" y="connsiteY12"/>
+              </a:cxn>
+              <a:cxn ang="0">
+                <a:pos x="connsiteX13" y="connsiteY13"/>
+              </a:cxn>
+              <a:cxn ang="0">
+                <a:pos x="connsiteX14" y="connsiteY14"/>
+              </a:cxn>
+              <a:cxn ang="0">
+                <a:pos x="connsiteX15" y="connsiteY15"/>
+              </a:cxn>
+              <a:cxn ang="0">
+                <a:pos x="connsiteX16" y="connsiteY16"/>
+              </a:cxn>
+              <a:cxn ang="0">
+                <a:pos x="connsiteX17" y="connsiteY17"/>
+              </a:cxn>
+              <a:cxn ang="0">
+                <a:pos x="connsiteX18" y="connsiteY18"/>
+              </a:cxn>
+              <a:cxn ang="0">
+                <a:pos x="connsiteX19" y="connsiteY19"/>
+              </a:cxn>
+              <a:cxn ang="0">
+                <a:pos x="connsiteX20" y="connsiteY20"/>
+              </a:cxn>
+              <a:cxn ang="0">
+                <a:pos x="connsiteX21" y="connsiteY21"/>
+              </a:cxn>
+              <a:cxn ang="0">
+                <a:pos x="connsiteX22" y="connsiteY22"/>
+              </a:cxn>
+              <a:cxn ang="0">
+                <a:pos x="connsiteX23" y="connsiteY23"/>
+              </a:cxn>
+              <a:cxn ang="0">
+                <a:pos x="connsiteX24" y="connsiteY24"/>
+              </a:cxn>
+              <a:cxn ang="0">
+                <a:pos x="connsiteX25" y="connsiteY25"/>
+              </a:cxn>
+              <a:cxn ang="0">
+                <a:pos x="connsiteX26" y="connsiteY26"/>
+              </a:cxn>
+              <a:cxn ang="0">
+                <a:pos x="connsiteX27" y="connsiteY27"/>
+              </a:cxn>
+              <a:cxn ang="0">
+                <a:pos x="connsiteX28" y="connsiteY28"/>
+              </a:cxn>
+              <a:cxn ang="0">
+                <a:pos x="connsiteX29" y="connsiteY29"/>
+              </a:cxn>
+              <a:cxn ang="0">
+                <a:pos x="connsiteX30" y="connsiteY30"/>
+              </a:cxn>
+              <a:cxn ang="0">
+                <a:pos x="connsiteX31" y="connsiteY31"/>
+              </a:cxn>
+              <a:cxn ang="0">
+                <a:pos x="connsiteX32" y="connsiteY32"/>
+              </a:cxn>
+              <a:cxn ang="0">
+                <a:pos x="connsiteX33" y="connsiteY33"/>
+              </a:cxn>
+              <a:cxn ang="0">
+                <a:pos x="connsiteX34" y="connsiteY34"/>
+              </a:cxn>
+              <a:cxn ang="0">
+                <a:pos x="connsiteX35" y="connsiteY35"/>
+              </a:cxn>
+              <a:cxn ang="0">
+                <a:pos x="connsiteX36" y="connsiteY36"/>
+              </a:cxn>
+              <a:cxn ang="0">
+                <a:pos x="connsiteX37" y="connsiteY37"/>
+              </a:cxn>
+              <a:cxn ang="0">
+                <a:pos x="connsiteX38" y="connsiteY38"/>
+              </a:cxn>
+              <a:cxn ang="0">
+                <a:pos x="connsiteX39" y="connsiteY39"/>
+              </a:cxn>
+              <a:cxn ang="0">
+                <a:pos x="connsiteX40" y="connsiteY40"/>
+              </a:cxn>
+              <a:cxn ang="0">
+                <a:pos x="connsiteX41" y="connsiteY41"/>
+              </a:cxn>
+              <a:cxn ang="0">
+                <a:pos x="connsiteX42" y="connsiteY42"/>
+              </a:cxn>
+              <a:cxn ang="0">
+                <a:pos x="connsiteX43" y="connsiteY43"/>
+              </a:cxn>
+              <a:cxn ang="0">
+                <a:pos x="connsiteX44" y="connsiteY44"/>
+              </a:cxn>
+              <a:cxn ang="0">
+                <a:pos x="connsiteX45" y="connsiteY45"/>
+              </a:cxn>
+              <a:cxn ang="0">
+                <a:pos x="connsiteX46" y="connsiteY46"/>
+              </a:cxn>
+              <a:cxn ang="0">
+                <a:pos x="connsiteX47" y="connsiteY47"/>
+              </a:cxn>
+              <a:cxn ang="0">
+                <a:pos x="connsiteX48" y="connsiteY48"/>
+              </a:cxn>
+              <a:cxn ang="0">
+                <a:pos x="connsiteX49" y="connsiteY49"/>
+              </a:cxn>
+              <a:cxn ang="0">
+                <a:pos x="connsiteX50" y="connsiteY50"/>
+              </a:cxn>
+              <a:cxn ang="0">
+                <a:pos x="connsiteX51" y="connsiteY51"/>
+              </a:cxn>
+              <a:cxn ang="0">
+                <a:pos x="connsiteX52" y="connsiteY52"/>
+              </a:cxn>
+              <a:cxn ang="0">
+                <a:pos x="connsiteX53" y="connsiteY53"/>
+              </a:cxn>
+              <a:cxn ang="0">
+                <a:pos x="connsiteX54" y="connsiteY54"/>
+              </a:cxn>
+              <a:cxn ang="0">
+                <a:pos x="connsiteX55" y="connsiteY55"/>
+              </a:cxn>
+              <a:cxn ang="0">
+                <a:pos x="connsiteX56" y="connsiteY56"/>
+              </a:cxn>
+              <a:cxn ang="0">
+                <a:pos x="connsiteX57" y="connsiteY57"/>
+              </a:cxn>
+              <a:cxn ang="0">
+                <a:pos x="connsiteX58" y="connsiteY58"/>
+              </a:cxn>
+              <a:cxn ang="0">
+                <a:pos x="connsiteX59" y="connsiteY59"/>
+              </a:cxn>
+              <a:cxn ang="0">
+                <a:pos x="connsiteX60" y="connsiteY60"/>
+              </a:cxn>
+              <a:cxn ang="0">
+                <a:pos x="connsiteX61" y="connsiteY61"/>
+              </a:cxn>
+              <a:cxn ang="0">
+                <a:pos x="connsiteX62" y="connsiteY62"/>
+              </a:cxn>
+              <a:cxn ang="0">
+                <a:pos x="connsiteX63" y="connsiteY63"/>
+              </a:cxn>
+              <a:cxn ang="0">
+                <a:pos x="connsiteX64" y="connsiteY64"/>
+              </a:cxn>
+              <a:cxn ang="0">
+                <a:pos x="connsiteX65" y="connsiteY65"/>
+              </a:cxn>
+              <a:cxn ang="0">
+                <a:pos x="connsiteX66" y="connsiteY66"/>
+              </a:cxn>
+              <a:cxn ang="0">
+                <a:pos x="connsiteX67" y="connsiteY67"/>
+              </a:cxn>
+              <a:cxn ang="0">
+                <a:pos x="connsiteX68" y="connsiteY68"/>
+              </a:cxn>
+              <a:cxn ang="0">
+                <a:pos x="connsiteX69" y="connsiteY69"/>
+              </a:cxn>
+              <a:cxn ang="0">
+                <a:pos x="connsiteX70" y="connsiteY70"/>
+              </a:cxn>
+              <a:cxn ang="0">
+                <a:pos x="connsiteX71" y="connsiteY71"/>
+              </a:cxn>
+              <a:cxn ang="0">
+                <a:pos x="connsiteX72" y="connsiteY72"/>
+              </a:cxn>
+              <a:cxn ang="0">
+                <a:pos x="connsiteX73" y="connsiteY73"/>
+              </a:cxn>
+              <a:cxn ang="0">
+                <a:pos x="connsiteX74" y="connsiteY74"/>
+              </a:cxn>
+              <a:cxn ang="0">
+                <a:pos x="connsiteX75" y="connsiteY75"/>
+              </a:cxn>
+              <a:cxn ang="0">
+                <a:pos x="connsiteX76" y="connsiteY76"/>
+              </a:cxn>
+              <a:cxn ang="0">
+                <a:pos x="connsiteX77" y="connsiteY77"/>
+              </a:cxn>
+              <a:cxn ang="0">
+                <a:pos x="connsiteX78" y="connsiteY78"/>
+              </a:cxn>
+              <a:cxn ang="0">
+                <a:pos x="connsiteX79" y="connsiteY79"/>
+              </a:cxn>
+              <a:cxn ang="0">
+                <a:pos x="connsiteX80" y="connsiteY80"/>
+              </a:cxn>
+              <a:cxn ang="0">
+                <a:pos x="connsiteX81" y="connsiteY81"/>
+              </a:cxn>
+              <a:cxn ang="0">
+                <a:pos x="connsiteX82" y="connsiteY82"/>
+              </a:cxn>
+              <a:cxn ang="0">
+                <a:pos x="connsiteX83" y="connsiteY83"/>
+              </a:cxn>
+              <a:cxn ang="0">
+                <a:pos x="connsiteX84" y="connsiteY84"/>
+              </a:cxn>
+              <a:cxn ang="0">
+                <a:pos x="connsiteX85" y="connsiteY85"/>
+              </a:cxn>
+              <a:cxn ang="0">
+                <a:pos x="connsiteX86" y="connsiteY86"/>
+              </a:cxn>
+              <a:cxn ang="0">
+                <a:pos x="connsiteX87" y="connsiteY87"/>
+              </a:cxn>
+              <a:cxn ang="0">
+                <a:pos x="connsiteX88" y="connsiteY88"/>
+              </a:cxn>
+              <a:cxn ang="0">
+                <a:pos x="connsiteX89" y="connsiteY89"/>
+              </a:cxn>
+              <a:cxn ang="0">
+                <a:pos x="connsiteX90" y="connsiteY90"/>
+              </a:cxn>
+              <a:cxn ang="0">
+                <a:pos x="connsiteX91" y="connsiteY91"/>
+              </a:cxn>
+              <a:cxn ang="0">
+                <a:pos x="connsiteX92" y="connsiteY92"/>
+              </a:cxn>
+              <a:cxn ang="0">
+                <a:pos x="connsiteX93" y="connsiteY93"/>
+              </a:cxn>
+              <a:cxn ang="0">
+                <a:pos x="connsiteX94" y="connsiteY94"/>
+              </a:cxn>
+              <a:cxn ang="0">
+                <a:pos x="connsiteX95" y="connsiteY95"/>
+              </a:cxn>
+              <a:cxn ang="0">
+                <a:pos x="connsiteX96" y="connsiteY96"/>
+              </a:cxn>
+              <a:cxn ang="0">
+                <a:pos x="connsiteX97" y="connsiteY97"/>
+              </a:cxn>
+              <a:cxn ang="0">
+                <a:pos x="connsiteX98" y="connsiteY98"/>
+              </a:cxn>
+              <a:cxn ang="0">
+                <a:pos x="connsiteX99" y="connsiteY99"/>
+              </a:cxn>
+              <a:cxn ang="0">
+                <a:pos x="connsiteX100" y="connsiteY100"/>
+              </a:cxn>
+              <a:cxn ang="0">
+                <a:pos x="connsiteX101" y="connsiteY101"/>
+              </a:cxn>
+              <a:cxn ang="0">
+                <a:pos x="connsiteX102" y="connsiteY102"/>
+              </a:cxn>
+              <a:cxn ang="0">
+                <a:pos x="connsiteX103" y="connsiteY103"/>
+              </a:cxn>
+              <a:cxn ang="0">
+                <a:pos x="connsiteX104" y="connsiteY104"/>
+              </a:cxn>
+              <a:cxn ang="0">
+                <a:pos x="connsiteX105" y="connsiteY105"/>
+              </a:cxn>
+              <a:cxn ang="0">
+                <a:pos x="connsiteX106" y="connsiteY106"/>
+              </a:cxn>
+              <a:cxn ang="0">
+                <a:pos x="connsiteX107" y="connsiteY107"/>
+              </a:cxn>
+              <a:cxn ang="0">
+                <a:pos x="connsiteX108" y="connsiteY108"/>
+              </a:cxn>
+              <a:cxn ang="0">
+                <a:pos x="connsiteX109" y="connsiteY109"/>
+              </a:cxn>
+              <a:cxn ang="0">
+                <a:pos x="connsiteX110" y="connsiteY110"/>
+              </a:cxn>
+              <a:cxn ang="0">
+                <a:pos x="connsiteX111" y="connsiteY111"/>
+              </a:cxn>
+              <a:cxn ang="0">
+                <a:pos x="connsiteX112" y="connsiteY112"/>
+              </a:cxn>
+              <a:cxn ang="0">
+                <a:pos x="connsiteX113" y="connsiteY113"/>
+              </a:cxn>
+              <a:cxn ang="0">
+                <a:pos x="connsiteX114" y="connsiteY114"/>
+              </a:cxn>
+              <a:cxn ang="0">
+                <a:pos x="connsiteX115" y="connsiteY115"/>
+              </a:cxn>
+              <a:cxn ang="0">
+                <a:pos x="connsiteX116" y="connsiteY116"/>
+              </a:cxn>
+              <a:cxn ang="0">
+                <a:pos x="connsiteX117" y="connsiteY117"/>
+              </a:cxn>
+              <a:cxn ang="0">
+                <a:pos x="connsiteX118" y="connsiteY118"/>
+              </a:cxn>
+              <a:cxn ang="0">
+                <a:pos x="connsiteX119" y="connsiteY119"/>
+              </a:cxn>
+              <a:cxn ang="0">
+                <a:pos x="connsiteX120" y="connsiteY120"/>
+              </a:cxn>
+              <a:cxn ang="0">
+                <a:pos x="connsiteX121" y="connsiteY121"/>
+              </a:cxn>
+              <a:cxn ang="0">
+                <a:pos x="connsiteX122" y="connsiteY122"/>
+              </a:cxn>
+              <a:cxn ang="0">
+                <a:pos x="connsiteX123" y="connsiteY123"/>
+              </a:cxn>
+              <a:cxn ang="0">
+                <a:pos x="connsiteX124" y="connsiteY124"/>
+              </a:cxn>
+              <a:cxn ang="0">
+                <a:pos x="connsiteX125" y="connsiteY125"/>
+              </a:cxn>
+              <a:cxn ang="0">
+                <a:pos x="connsiteX126" y="connsiteY126"/>
+              </a:cxn>
+              <a:cxn ang="0">
+                <a:pos x="connsiteX127" y="connsiteY127"/>
+              </a:cxn>
+              <a:cxn ang="0">
+                <a:pos x="connsiteX128" y="connsiteY128"/>
+              </a:cxn>
+              <a:cxn ang="0">
+                <a:pos x="connsiteX129" y="connsiteY129"/>
+              </a:cxn>
+              <a:cxn ang="0">
+                <a:pos x="connsiteX130" y="connsiteY130"/>
+              </a:cxn>
+              <a:cxn ang="0">
+                <a:pos x="connsiteX131" y="connsiteY131"/>
+              </a:cxn>
+              <a:cxn ang="0">
+                <a:pos x="connsiteX132" y="connsiteY132"/>
+              </a:cxn>
+              <a:cxn ang="0">
+                <a:pos x="connsiteX133" y="connsiteY133"/>
+              </a:cxn>
+              <a:cxn ang="0">
+                <a:pos x="connsiteX134" y="connsiteY134"/>
+              </a:cxn>
+              <a:cxn ang="0">
+                <a:pos x="connsiteX135" y="connsiteY135"/>
+              </a:cxn>
+              <a:cxn ang="0">
+                <a:pos x="connsiteX136" y="connsiteY136"/>
+              </a:cxn>
+              <a:cxn ang="0">
+                <a:pos x="connsiteX137" y="connsiteY137"/>
+              </a:cxn>
+              <a:cxn ang="0">
+                <a:pos x="connsiteX138" y="connsiteY138"/>
+              </a:cxn>
+              <a:cxn ang="0">
+                <a:pos x="connsiteX139" y="connsiteY139"/>
+              </a:cxn>
+              <a:cxn ang="0">
+                <a:pos x="connsiteX140" y="connsiteY140"/>
+              </a:cxn>
+              <a:cxn ang="0">
+                <a:pos x="connsiteX141" y="connsiteY141"/>
+              </a:cxn>
+              <a:cxn ang="0">
+                <a:pos x="connsiteX142" y="connsiteY142"/>
+              </a:cxn>
+              <a:cxn ang="0">
+                <a:pos x="connsiteX143" y="connsiteY143"/>
+              </a:cxn>
+              <a:cxn ang="0">
+                <a:pos x="connsiteX144" y="connsiteY144"/>
+              </a:cxn>
+              <a:cxn ang="0">
+                <a:pos x="connsiteX145" y="connsiteY145"/>
+              </a:cxn>
+              <a:cxn ang="0">
+                <a:pos x="connsiteX146" y="connsiteY146"/>
+              </a:cxn>
+              <a:cxn ang="0">
+                <a:pos x="connsiteX147" y="connsiteY147"/>
+              </a:cxn>
+              <a:cxn ang="0">
+                <a:pos x="connsiteX148" y="connsiteY148"/>
+              </a:cxn>
+              <a:cxn ang="0">
+                <a:pos x="connsiteX149" y="connsiteY149"/>
+              </a:cxn>
+              <a:cxn ang="0">
+                <a:pos x="connsiteX150" y="connsiteY150"/>
+              </a:cxn>
+              <a:cxn ang="0">
+                <a:pos x="connsiteX151" y="connsiteY151"/>
+              </a:cxn>
+              <a:cxn ang="0">
+                <a:pos x="connsiteX152" y="connsiteY152"/>
+              </a:cxn>
+              <a:cxn ang="0">
+                <a:pos x="connsiteX153" y="connsiteY153"/>
+              </a:cxn>
+              <a:cxn ang="0">
+                <a:pos x="connsiteX154" y="connsiteY154"/>
+              </a:cxn>
+              <a:cxn ang="0">
+                <a:pos x="connsiteX155" y="connsiteY155"/>
+              </a:cxn>
+              <a:cxn ang="0">
+                <a:pos x="connsiteX156" y="connsiteY156"/>
+              </a:cxn>
+              <a:cxn ang="0">
+                <a:pos x="connsiteX157" y="connsiteY157"/>
+              </a:cxn>
+              <a:cxn ang="0">
+                <a:pos x="connsiteX158" y="connsiteY158"/>
+              </a:cxn>
+              <a:cxn ang="0">
+                <a:pos x="connsiteX159" y="connsiteY159"/>
+              </a:cxn>
+              <a:cxn ang="0">
+                <a:pos x="connsiteX160" y="connsiteY160"/>
+              </a:cxn>
+              <a:cxn ang="0">
+                <a:pos x="connsiteX161" y="connsiteY161"/>
+              </a:cxn>
+              <a:cxn ang="0">
+                <a:pos x="connsiteX162" y="connsiteY162"/>
+              </a:cxn>
+              <a:cxn ang="0">
+                <a:pos x="connsiteX163" y="connsiteY163"/>
+              </a:cxn>
+              <a:cxn ang="0">
+                <a:pos x="connsiteX164" y="connsiteY164"/>
+              </a:cxn>
+              <a:cxn ang="0">
+                <a:pos x="connsiteX165" y="connsiteY165"/>
+              </a:cxn>
+              <a:cxn ang="0">
+                <a:pos x="connsiteX166" y="connsiteY166"/>
+              </a:cxn>
+              <a:cxn ang="0">
+                <a:pos x="connsiteX167" y="connsiteY167"/>
+              </a:cxn>
+              <a:cxn ang="0">
+                <a:pos x="connsiteX168" y="connsiteY168"/>
+              </a:cxn>
+              <a:cxn ang="0">
+                <a:pos x="connsiteX169" y="connsiteY169"/>
+              </a:cxn>
+              <a:cxn ang="0">
+                <a:pos x="connsiteX170" y="connsiteY170"/>
+              </a:cxn>
+              <a:cxn ang="0">
+                <a:pos x="connsiteX171" y="connsiteY171"/>
+              </a:cxn>
+              <a:cxn ang="0">
+                <a:pos x="connsiteX172" y="connsiteY172"/>
+              </a:cxn>
+              <a:cxn ang="0">
+                <a:pos x="connsiteX173" y="connsiteY173"/>
+              </a:cxn>
+              <a:cxn ang="0">
+                <a:pos x="connsiteX174" y="connsiteY174"/>
+              </a:cxn>
+              <a:cxn ang="0">
+                <a:pos x="connsiteX175" y="connsiteY175"/>
+              </a:cxn>
+              <a:cxn ang="0">
+                <a:pos x="connsiteX176" y="connsiteY176"/>
+              </a:cxn>
+              <a:cxn ang="0">
+                <a:pos x="connsiteX177" y="connsiteY177"/>
+              </a:cxn>
+              <a:cxn ang="0">
+                <a:pos x="connsiteX178" y="connsiteY178"/>
+              </a:cxn>
+              <a:cxn ang="0">
+                <a:pos x="connsiteX179" y="connsiteY179"/>
+              </a:cxn>
+              <a:cxn ang="0">
+                <a:pos x="connsiteX180" y="connsiteY180"/>
+              </a:cxn>
+              <a:cxn ang="0">
+                <a:pos x="connsiteX181" y="connsiteY181"/>
+              </a:cxn>
+              <a:cxn ang="0">
+                <a:pos x="connsiteX182" y="connsiteY182"/>
+              </a:cxn>
+              <a:cxn ang="0">
+                <a:pos x="connsiteX183" y="connsiteY183"/>
+              </a:cxn>
+              <a:cxn ang="0">
+                <a:pos x="connsiteX184" y="connsiteY184"/>
+              </a:cxn>
+              <a:cxn ang="0">
+                <a:pos x="connsiteX185" y="connsiteY185"/>
+              </a:cxn>
+              <a:cxn ang="0">
+                <a:pos x="connsiteX186" y="connsiteY186"/>
+              </a:cxn>
+              <a:cxn ang="0">
+                <a:pos x="connsiteX187" y="connsiteY187"/>
+              </a:cxn>
+              <a:cxn ang="0">
+                <a:pos x="connsiteX188" y="connsiteY188"/>
+              </a:cxn>
+              <a:cxn ang="0">
+                <a:pos x="connsiteX189" y="connsiteY189"/>
+              </a:cxn>
+              <a:cxn ang="0">
+                <a:pos x="connsiteX190" y="connsiteY190"/>
+              </a:cxn>
+              <a:cxn ang="0">
+                <a:pos x="connsiteX191" y="connsiteY191"/>
+              </a:cxn>
+              <a:cxn ang="0">
+                <a:pos x="connsiteX192" y="connsiteY192"/>
+              </a:cxn>
+              <a:cxn ang="0">
+                <a:pos x="connsiteX193" y="connsiteY193"/>
+              </a:cxn>
+              <a:cxn ang="0">
+                <a:pos x="connsiteX194" y="connsiteY194"/>
+              </a:cxn>
+              <a:cxn ang="0">
+                <a:pos x="connsiteX195" y="connsiteY195"/>
+              </a:cxn>
+              <a:cxn ang="0">
+                <a:pos x="connsiteX196" y="connsiteY196"/>
+              </a:cxn>
+              <a:cxn ang="0">
+                <a:pos x="connsiteX197" y="connsiteY197"/>
+              </a:cxn>
+              <a:cxn ang="0">
+                <a:pos x="connsiteX198" y="connsiteY198"/>
+              </a:cxn>
+              <a:cxn ang="0">
+                <a:pos x="connsiteX199" y="connsiteY199"/>
+              </a:cxn>
+              <a:cxn ang="0">
+                <a:pos x="connsiteX200" y="connsiteY200"/>
+              </a:cxn>
+              <a:cxn ang="0">
+                <a:pos x="connsiteX201" y="connsiteY201"/>
+              </a:cxn>
+              <a:cxn ang="0">
+                <a:pos x="connsiteX202" y="connsiteY202"/>
+              </a:cxn>
+              <a:cxn ang="0">
+                <a:pos x="connsiteX203" y="connsiteY203"/>
+              </a:cxn>
+              <a:cxn ang="0">
+                <a:pos x="connsiteX204" y="connsiteY204"/>
+              </a:cxn>
+              <a:cxn ang="0">
+                <a:pos x="connsiteX205" y="connsiteY205"/>
+              </a:cxn>
+              <a:cxn ang="0">
+                <a:pos x="connsiteX206" y="connsiteY206"/>
+              </a:cxn>
+              <a:cxn ang="0">
+                <a:pos x="connsiteX207" y="connsiteY207"/>
+              </a:cxn>
+              <a:cxn ang="0">
+                <a:pos x="connsiteX208" y="connsiteY208"/>
+              </a:cxn>
+              <a:cxn ang="0">
+                <a:pos x="connsiteX209" y="connsiteY209"/>
+              </a:cxn>
+              <a:cxn ang="0">
+                <a:pos x="connsiteX210" y="connsiteY210"/>
+              </a:cxn>
+              <a:cxn ang="0">
+                <a:pos x="connsiteX211" y="connsiteY211"/>
+              </a:cxn>
+            </a:cxnLst>
+            <a:rect l="l" t="t" r="r" b="b"/>
+            <a:pathLst>
+              <a:path w="8201891" h="3241964">
+                <a:moveTo>
+                  <a:pt x="0" y="1283855"/>
+                </a:moveTo>
+                <a:cubicBezTo>
+                  <a:pt x="7302" y="1232737"/>
+                  <a:pt x="-3889" y="1218713"/>
+                  <a:pt x="36945" y="1191491"/>
+                </a:cubicBezTo>
+                <a:cubicBezTo>
+                  <a:pt x="45046" y="1186090"/>
+                  <a:pt x="55418" y="1185334"/>
+                  <a:pt x="64655" y="1182255"/>
+                </a:cubicBezTo>
+                <a:cubicBezTo>
+                  <a:pt x="135115" y="1111792"/>
+                  <a:pt x="53239" y="1185410"/>
+                  <a:pt x="120073" y="1145309"/>
+                </a:cubicBezTo>
+                <a:cubicBezTo>
+                  <a:pt x="142783" y="1131683"/>
+                  <a:pt x="162690" y="1113818"/>
+                  <a:pt x="184727" y="1099127"/>
+                </a:cubicBezTo>
+                <a:cubicBezTo>
+                  <a:pt x="199664" y="1089169"/>
+                  <a:pt x="216547" y="1082189"/>
+                  <a:pt x="230909" y="1071418"/>
+                </a:cubicBezTo>
+                <a:cubicBezTo>
+                  <a:pt x="241359" y="1063581"/>
+                  <a:pt x="248307" y="1051728"/>
+                  <a:pt x="258618" y="1043709"/>
+                </a:cubicBezTo>
+                <a:cubicBezTo>
+                  <a:pt x="276143" y="1030079"/>
+                  <a:pt x="295563" y="1019079"/>
+                  <a:pt x="314036" y="1006764"/>
+                </a:cubicBezTo>
+                <a:cubicBezTo>
+                  <a:pt x="351356" y="981884"/>
+                  <a:pt x="390826" y="953913"/>
+                  <a:pt x="434109" y="942109"/>
+                </a:cubicBezTo>
+                <a:cubicBezTo>
+                  <a:pt x="467976" y="932873"/>
+                  <a:pt x="503019" y="927192"/>
+                  <a:pt x="535709" y="914400"/>
+                </a:cubicBezTo>
+                <a:cubicBezTo>
+                  <a:pt x="574175" y="899348"/>
+                  <a:pt x="608737" y="875618"/>
+                  <a:pt x="646545" y="858982"/>
+                </a:cubicBezTo>
+                <a:cubicBezTo>
+                  <a:pt x="685796" y="841711"/>
+                  <a:pt x="727512" y="830397"/>
+                  <a:pt x="766618" y="812800"/>
+                </a:cubicBezTo>
+                <a:cubicBezTo>
+                  <a:pt x="789254" y="802614"/>
+                  <a:pt x="809072" y="786956"/>
+                  <a:pt x="831273" y="775855"/>
+                </a:cubicBezTo>
+                <a:cubicBezTo>
+                  <a:pt x="878458" y="752262"/>
+                  <a:pt x="903053" y="745770"/>
+                  <a:pt x="951345" y="729673"/>
+                </a:cubicBezTo>
+                <a:cubicBezTo>
+                  <a:pt x="951347" y="729672"/>
+                  <a:pt x="1006761" y="711200"/>
+                  <a:pt x="1006764" y="711200"/>
+                </a:cubicBezTo>
+                <a:lnTo>
+                  <a:pt x="1136073" y="701964"/>
+                </a:lnTo>
+                <a:cubicBezTo>
+                  <a:pt x="1231034" y="703660"/>
+                  <a:pt x="1597956" y="700998"/>
+                  <a:pt x="1782618" y="720436"/>
+                </a:cubicBezTo>
+                <a:cubicBezTo>
+                  <a:pt x="1822688" y="724654"/>
+                  <a:pt x="1904289" y="752160"/>
+                  <a:pt x="1930400" y="757382"/>
+                </a:cubicBezTo>
+                <a:cubicBezTo>
+                  <a:pt x="1957738" y="762850"/>
+                  <a:pt x="1985818" y="763539"/>
+                  <a:pt x="2013527" y="766618"/>
+                </a:cubicBezTo>
+                <a:cubicBezTo>
+                  <a:pt x="2145247" y="810526"/>
+                  <a:pt x="2008162" y="766404"/>
+                  <a:pt x="2105891" y="794327"/>
+                </a:cubicBezTo>
+                <a:cubicBezTo>
+                  <a:pt x="2115252" y="797002"/>
+                  <a:pt x="2124113" y="801375"/>
+                  <a:pt x="2133600" y="803564"/>
+                </a:cubicBezTo>
+                <a:cubicBezTo>
+                  <a:pt x="2164194" y="810624"/>
+                  <a:pt x="2195504" y="814420"/>
+                  <a:pt x="2225964" y="822036"/>
+                </a:cubicBezTo>
+                <a:cubicBezTo>
+                  <a:pt x="2238279" y="825115"/>
+                  <a:pt x="2250461" y="828783"/>
+                  <a:pt x="2262909" y="831273"/>
+                </a:cubicBezTo>
+                <a:cubicBezTo>
+                  <a:pt x="2281273" y="834946"/>
+                  <a:pt x="2299963" y="836836"/>
+                  <a:pt x="2318327" y="840509"/>
+                </a:cubicBezTo>
+                <a:cubicBezTo>
+                  <a:pt x="2370289" y="850901"/>
+                  <a:pt x="2347402" y="852653"/>
+                  <a:pt x="2410691" y="858982"/>
+                </a:cubicBezTo>
+                <a:cubicBezTo>
+                  <a:pt x="2453689" y="863282"/>
+                  <a:pt x="2496897" y="865139"/>
+                  <a:pt x="2540000" y="868218"/>
+                </a:cubicBezTo>
+                <a:cubicBezTo>
+                  <a:pt x="2564630" y="874376"/>
+                  <a:pt x="2589397" y="880011"/>
+                  <a:pt x="2613891" y="886691"/>
+                </a:cubicBezTo>
+                <a:cubicBezTo>
+                  <a:pt x="2623284" y="889253"/>
+                  <a:pt x="2631865" y="896079"/>
+                  <a:pt x="2641600" y="895927"/>
+                </a:cubicBezTo>
+                <a:cubicBezTo>
+                  <a:pt x="2829484" y="892991"/>
+                  <a:pt x="3017212" y="883612"/>
+                  <a:pt x="3205018" y="877455"/>
+                </a:cubicBezTo>
+                <a:cubicBezTo>
+                  <a:pt x="3229648" y="874376"/>
+                  <a:pt x="3254376" y="871992"/>
+                  <a:pt x="3278909" y="868218"/>
+                </a:cubicBezTo>
+                <a:cubicBezTo>
+                  <a:pt x="3294425" y="865831"/>
+                  <a:pt x="3309530" y="861057"/>
+                  <a:pt x="3325091" y="858982"/>
+                </a:cubicBezTo>
+                <a:cubicBezTo>
+                  <a:pt x="3355761" y="854893"/>
+                  <a:pt x="3386752" y="853583"/>
+                  <a:pt x="3417455" y="849745"/>
+                </a:cubicBezTo>
+                <a:cubicBezTo>
+                  <a:pt x="3436038" y="847422"/>
+                  <a:pt x="3454148" y="840795"/>
+                  <a:pt x="3472873" y="840509"/>
+                </a:cubicBezTo>
+                <a:lnTo>
+                  <a:pt x="4627418" y="831273"/>
+                </a:lnTo>
+                <a:cubicBezTo>
+                  <a:pt x="4721016" y="807872"/>
+                  <a:pt x="4608856" y="833591"/>
+                  <a:pt x="4802909" y="812800"/>
+                </a:cubicBezTo>
+                <a:cubicBezTo>
+                  <a:pt x="4843174" y="808486"/>
+                  <a:pt x="4883038" y="800984"/>
+                  <a:pt x="4922982" y="794327"/>
+                </a:cubicBezTo>
+                <a:cubicBezTo>
+                  <a:pt x="4938467" y="791746"/>
+                  <a:pt x="4954069" y="789404"/>
+                  <a:pt x="4969164" y="785091"/>
+                </a:cubicBezTo>
+                <a:cubicBezTo>
+                  <a:pt x="4997248" y="777067"/>
+                  <a:pt x="5024375" y="765972"/>
+                  <a:pt x="5052291" y="757382"/>
+                </a:cubicBezTo>
+                <a:cubicBezTo>
+                  <a:pt x="5064424" y="753649"/>
+                  <a:pt x="5077350" y="752602"/>
+                  <a:pt x="5089236" y="748145"/>
+                </a:cubicBezTo>
+                <a:cubicBezTo>
+                  <a:pt x="5102128" y="743310"/>
+                  <a:pt x="5113290" y="734508"/>
+                  <a:pt x="5126182" y="729673"/>
+                </a:cubicBezTo>
+                <a:cubicBezTo>
+                  <a:pt x="5138068" y="725216"/>
+                  <a:pt x="5150921" y="723923"/>
+                  <a:pt x="5163127" y="720436"/>
+                </a:cubicBezTo>
+                <a:cubicBezTo>
+                  <a:pt x="5227602" y="702014"/>
+                  <a:pt x="5145168" y="717724"/>
+                  <a:pt x="5255491" y="701964"/>
+                </a:cubicBezTo>
+                <a:cubicBezTo>
+                  <a:pt x="5264727" y="698885"/>
+                  <a:pt x="5273807" y="695289"/>
+                  <a:pt x="5283200" y="692727"/>
+                </a:cubicBezTo>
+                <a:cubicBezTo>
+                  <a:pt x="5397787" y="661476"/>
+                  <a:pt x="5321021" y="686279"/>
+                  <a:pt x="5384800" y="665018"/>
+                </a:cubicBezTo>
+                <a:cubicBezTo>
+                  <a:pt x="5397115" y="655782"/>
+                  <a:pt x="5410057" y="647327"/>
+                  <a:pt x="5421745" y="637309"/>
+                </a:cubicBezTo>
+                <a:cubicBezTo>
+                  <a:pt x="5431663" y="628808"/>
+                  <a:pt x="5439420" y="617962"/>
+                  <a:pt x="5449455" y="609600"/>
+                </a:cubicBezTo>
+                <a:cubicBezTo>
+                  <a:pt x="5526603" y="545311"/>
+                  <a:pt x="5423929" y="644362"/>
+                  <a:pt x="5504873" y="563418"/>
+                </a:cubicBezTo>
+                <a:cubicBezTo>
+                  <a:pt x="5507952" y="544945"/>
+                  <a:pt x="5510047" y="526282"/>
+                  <a:pt x="5514109" y="508000"/>
+                </a:cubicBezTo>
+                <a:cubicBezTo>
+                  <a:pt x="5516221" y="498496"/>
+                  <a:pt x="5521233" y="489795"/>
+                  <a:pt x="5523345" y="480291"/>
+                </a:cubicBezTo>
+                <a:cubicBezTo>
+                  <a:pt x="5527408" y="462009"/>
+                  <a:pt x="5525627" y="442261"/>
+                  <a:pt x="5532582" y="424873"/>
+                </a:cubicBezTo>
+                <a:cubicBezTo>
+                  <a:pt x="5543994" y="396343"/>
+                  <a:pt x="5617876" y="333876"/>
+                  <a:pt x="5624945" y="323273"/>
+                </a:cubicBezTo>
+                <a:cubicBezTo>
+                  <a:pt x="5631103" y="314037"/>
+                  <a:pt x="5638453" y="305493"/>
+                  <a:pt x="5643418" y="295564"/>
+                </a:cubicBezTo>
+                <a:cubicBezTo>
+                  <a:pt x="5655125" y="272152"/>
+                  <a:pt x="5648442" y="259050"/>
+                  <a:pt x="5671127" y="240145"/>
+                </a:cubicBezTo>
+                <a:cubicBezTo>
+                  <a:pt x="5681704" y="231330"/>
+                  <a:pt x="5695758" y="227830"/>
+                  <a:pt x="5708073" y="221673"/>
+                </a:cubicBezTo>
+                <a:cubicBezTo>
+                  <a:pt x="5729911" y="199835"/>
+                  <a:pt x="5745080" y="182054"/>
+                  <a:pt x="5772727" y="166255"/>
+                </a:cubicBezTo>
+                <a:cubicBezTo>
+                  <a:pt x="5781180" y="161424"/>
+                  <a:pt x="5791200" y="160097"/>
+                  <a:pt x="5800436" y="157018"/>
+                </a:cubicBezTo>
+                <a:cubicBezTo>
+                  <a:pt x="5813298" y="144156"/>
+                  <a:pt x="5836565" y="117266"/>
+                  <a:pt x="5855855" y="110836"/>
+                </a:cubicBezTo>
+                <a:cubicBezTo>
+                  <a:pt x="5873621" y="104914"/>
+                  <a:pt x="5892909" y="105273"/>
+                  <a:pt x="5911273" y="101600"/>
+                </a:cubicBezTo>
+                <a:cubicBezTo>
+                  <a:pt x="6026902" y="78475"/>
+                  <a:pt x="5857296" y="107322"/>
+                  <a:pt x="5994400" y="83127"/>
+                </a:cubicBezTo>
+                <a:cubicBezTo>
+                  <a:pt x="6031285" y="76618"/>
+                  <a:pt x="6068900" y="73740"/>
+                  <a:pt x="6105236" y="64655"/>
+                </a:cubicBezTo>
+                <a:cubicBezTo>
+                  <a:pt x="6117551" y="61576"/>
+                  <a:pt x="6129790" y="58172"/>
+                  <a:pt x="6142182" y="55418"/>
+                </a:cubicBezTo>
+                <a:cubicBezTo>
+                  <a:pt x="6157507" y="52012"/>
+                  <a:pt x="6173134" y="49990"/>
+                  <a:pt x="6188364" y="46182"/>
+                </a:cubicBezTo>
+                <a:cubicBezTo>
+                  <a:pt x="6197809" y="43821"/>
+                  <a:pt x="6206628" y="39306"/>
+                  <a:pt x="6216073" y="36945"/>
+                </a:cubicBezTo>
+                <a:cubicBezTo>
+                  <a:pt x="6233261" y="32648"/>
+                  <a:pt x="6303264" y="20017"/>
+                  <a:pt x="6317673" y="18473"/>
+                </a:cubicBezTo>
+                <a:cubicBezTo>
+                  <a:pt x="6385299" y="11227"/>
+                  <a:pt x="6453140" y="6158"/>
+                  <a:pt x="6520873" y="0"/>
+                </a:cubicBezTo>
+                <a:cubicBezTo>
+                  <a:pt x="6677891" y="3079"/>
+                  <a:pt x="6835057" y="1766"/>
+                  <a:pt x="6991927" y="9236"/>
+                </a:cubicBezTo>
+                <a:cubicBezTo>
+                  <a:pt x="7060307" y="12492"/>
+                  <a:pt x="7119594" y="34652"/>
+                  <a:pt x="7185891" y="46182"/>
+                </a:cubicBezTo>
+                <a:cubicBezTo>
+                  <a:pt x="7242084" y="55955"/>
+                  <a:pt x="7327687" y="66216"/>
+                  <a:pt x="7389091" y="73891"/>
+                </a:cubicBezTo>
+                <a:cubicBezTo>
+                  <a:pt x="7401406" y="76970"/>
+                  <a:pt x="7414250" y="78413"/>
+                  <a:pt x="7426036" y="83127"/>
+                </a:cubicBezTo>
+                <a:cubicBezTo>
+                  <a:pt x="7445212" y="90797"/>
+                  <a:pt x="7461861" y="104305"/>
+                  <a:pt x="7481455" y="110836"/>
+                </a:cubicBezTo>
+                <a:cubicBezTo>
+                  <a:pt x="7508383" y="119812"/>
+                  <a:pt x="7536873" y="123151"/>
+                  <a:pt x="7564582" y="129309"/>
+                </a:cubicBezTo>
+                <a:cubicBezTo>
+                  <a:pt x="7586133" y="144703"/>
+                  <a:pt x="7605917" y="162935"/>
+                  <a:pt x="7629236" y="175491"/>
+                </a:cubicBezTo>
+                <a:cubicBezTo>
+                  <a:pt x="7646381" y="184723"/>
+                  <a:pt x="7667238" y="185256"/>
+                  <a:pt x="7684655" y="193964"/>
+                </a:cubicBezTo>
+                <a:cubicBezTo>
+                  <a:pt x="7698424" y="200848"/>
+                  <a:pt x="7709074" y="212726"/>
+                  <a:pt x="7721600" y="221673"/>
+                </a:cubicBezTo>
+                <a:cubicBezTo>
+                  <a:pt x="7730633" y="228125"/>
+                  <a:pt x="7740332" y="233616"/>
+                  <a:pt x="7749309" y="240145"/>
+                </a:cubicBezTo>
+                <a:cubicBezTo>
+                  <a:pt x="7774208" y="258254"/>
+                  <a:pt x="7806122" y="269947"/>
+                  <a:pt x="7823200" y="295564"/>
+                </a:cubicBezTo>
+                <a:cubicBezTo>
+                  <a:pt x="7884856" y="388049"/>
+                  <a:pt x="7833732" y="319212"/>
+                  <a:pt x="7924800" y="415636"/>
+                </a:cubicBezTo>
+                <a:cubicBezTo>
+                  <a:pt x="7956227" y="448911"/>
+                  <a:pt x="7984800" y="484872"/>
+                  <a:pt x="8017164" y="517236"/>
+                </a:cubicBezTo>
+                <a:cubicBezTo>
+                  <a:pt x="8037235" y="537307"/>
+                  <a:pt x="8060894" y="553474"/>
+                  <a:pt x="8081818" y="572655"/>
+                </a:cubicBezTo>
+                <a:cubicBezTo>
+                  <a:pt x="8097866" y="587366"/>
+                  <a:pt x="8112606" y="603442"/>
+                  <a:pt x="8128000" y="618836"/>
+                </a:cubicBezTo>
+                <a:cubicBezTo>
+                  <a:pt x="8134158" y="631151"/>
+                  <a:pt x="8138470" y="644578"/>
+                  <a:pt x="8146473" y="655782"/>
+                </a:cubicBezTo>
+                <a:cubicBezTo>
+                  <a:pt x="8154065" y="666411"/>
+                  <a:pt x="8166936" y="672623"/>
+                  <a:pt x="8174182" y="683491"/>
+                </a:cubicBezTo>
+                <a:cubicBezTo>
+                  <a:pt x="8179582" y="691592"/>
+                  <a:pt x="8181057" y="701755"/>
+                  <a:pt x="8183418" y="711200"/>
+                </a:cubicBezTo>
+                <a:lnTo>
+                  <a:pt x="8201891" y="785091"/>
+                </a:lnTo>
+                <a:cubicBezTo>
+                  <a:pt x="8195733" y="905164"/>
+                  <a:pt x="8196137" y="1025753"/>
+                  <a:pt x="8183418" y="1145309"/>
+                </a:cubicBezTo>
+                <a:cubicBezTo>
+                  <a:pt x="8180635" y="1171467"/>
+                  <a:pt x="8162936" y="1193907"/>
+                  <a:pt x="8155709" y="1219200"/>
+                </a:cubicBezTo>
+                <a:cubicBezTo>
+                  <a:pt x="8121225" y="1339894"/>
+                  <a:pt x="8139449" y="1323952"/>
+                  <a:pt x="8100291" y="1431636"/>
+                </a:cubicBezTo>
+                <a:cubicBezTo>
+                  <a:pt x="8086613" y="1469251"/>
+                  <a:pt x="8072009" y="1506674"/>
+                  <a:pt x="8054109" y="1542473"/>
+                </a:cubicBezTo>
+                <a:cubicBezTo>
+                  <a:pt x="8047951" y="1554788"/>
+                  <a:pt x="8043639" y="1568214"/>
+                  <a:pt x="8035636" y="1579418"/>
+                </a:cubicBezTo>
+                <a:cubicBezTo>
+                  <a:pt x="8028044" y="1590047"/>
+                  <a:pt x="8017163" y="1597891"/>
+                  <a:pt x="8007927" y="1607127"/>
+                </a:cubicBezTo>
+                <a:cubicBezTo>
+                  <a:pt x="7987779" y="1657500"/>
+                  <a:pt x="7986390" y="1667143"/>
+                  <a:pt x="7952509" y="1717964"/>
+                </a:cubicBezTo>
+                <a:cubicBezTo>
+                  <a:pt x="7929958" y="1751790"/>
+                  <a:pt x="7914559" y="1765150"/>
+                  <a:pt x="7887855" y="1791855"/>
+                </a:cubicBezTo>
+                <a:cubicBezTo>
+                  <a:pt x="7884776" y="1801091"/>
+                  <a:pt x="7883449" y="1811111"/>
+                  <a:pt x="7878618" y="1819564"/>
+                </a:cubicBezTo>
+                <a:cubicBezTo>
+                  <a:pt x="7857066" y="1857279"/>
+                  <a:pt x="7847830" y="1858818"/>
+                  <a:pt x="7813964" y="1884218"/>
+                </a:cubicBezTo>
+                <a:cubicBezTo>
+                  <a:pt x="7807806" y="1899612"/>
+                  <a:pt x="7805439" y="1917136"/>
+                  <a:pt x="7795491" y="1930400"/>
+                </a:cubicBezTo>
+                <a:cubicBezTo>
+                  <a:pt x="7786254" y="1942715"/>
+                  <a:pt x="7770233" y="1948091"/>
+                  <a:pt x="7758545" y="1958109"/>
+                </a:cubicBezTo>
+                <a:cubicBezTo>
+                  <a:pt x="7748627" y="1966610"/>
+                  <a:pt x="7740871" y="1977456"/>
+                  <a:pt x="7730836" y="1985818"/>
+                </a:cubicBezTo>
+                <a:cubicBezTo>
+                  <a:pt x="7663379" y="2042033"/>
+                  <a:pt x="7749366" y="1957134"/>
+                  <a:pt x="7666182" y="2032000"/>
+                </a:cubicBezTo>
+                <a:cubicBezTo>
+                  <a:pt x="7627560" y="2066760"/>
+                  <a:pt x="7599722" y="2105360"/>
+                  <a:pt x="7555345" y="2133600"/>
+                </a:cubicBezTo>
+                <a:cubicBezTo>
+                  <a:pt x="7541357" y="2142501"/>
+                  <a:pt x="7524558" y="2145915"/>
+                  <a:pt x="7509164" y="2152073"/>
+                </a:cubicBezTo>
+                <a:cubicBezTo>
+                  <a:pt x="7464150" y="2219593"/>
+                  <a:pt x="7519764" y="2148460"/>
+                  <a:pt x="7462982" y="2189018"/>
+                </a:cubicBezTo>
+                <a:cubicBezTo>
+                  <a:pt x="7438308" y="2206642"/>
+                  <a:pt x="7319629" y="2313773"/>
+                  <a:pt x="7278255" y="2327564"/>
+                </a:cubicBezTo>
+                <a:lnTo>
+                  <a:pt x="7222836" y="2346036"/>
+                </a:lnTo>
+                <a:lnTo>
+                  <a:pt x="7195127" y="2355273"/>
+                </a:lnTo>
+                <a:cubicBezTo>
+                  <a:pt x="7182812" y="2364509"/>
+                  <a:pt x="7171548" y="2375345"/>
+                  <a:pt x="7158182" y="2382982"/>
+                </a:cubicBezTo>
+                <a:cubicBezTo>
+                  <a:pt x="7133556" y="2397054"/>
+                  <a:pt x="7072237" y="2398692"/>
+                  <a:pt x="7056582" y="2401455"/>
+                </a:cubicBezTo>
+                <a:cubicBezTo>
+                  <a:pt x="6916828" y="2426117"/>
+                  <a:pt x="7030501" y="2417671"/>
+                  <a:pt x="6881091" y="2429164"/>
+                </a:cubicBezTo>
+                <a:lnTo>
+                  <a:pt x="6253018" y="2475345"/>
+                </a:lnTo>
+                <a:cubicBezTo>
+                  <a:pt x="6189650" y="2485351"/>
+                  <a:pt x="6079020" y="2504753"/>
+                  <a:pt x="6003636" y="2512291"/>
+                </a:cubicBezTo>
+                <a:cubicBezTo>
+                  <a:pt x="5966747" y="2515980"/>
+                  <a:pt x="5929745" y="2518448"/>
+                  <a:pt x="5892800" y="2521527"/>
+                </a:cubicBezTo>
+                <a:cubicBezTo>
+                  <a:pt x="5575179" y="2627408"/>
+                  <a:pt x="5805887" y="2553843"/>
+                  <a:pt x="4941455" y="2521527"/>
+                </a:cubicBezTo>
+                <a:cubicBezTo>
+                  <a:pt x="4918024" y="2520651"/>
+                  <a:pt x="4899211" y="2500713"/>
+                  <a:pt x="4876800" y="2493818"/>
+                </a:cubicBezTo>
+                <a:cubicBezTo>
+                  <a:pt x="4865699" y="2490402"/>
+                  <a:pt x="4763439" y="2476304"/>
+                  <a:pt x="4756727" y="2475345"/>
+                </a:cubicBezTo>
+                <a:cubicBezTo>
+                  <a:pt x="4738254" y="2463030"/>
+                  <a:pt x="4722371" y="2445420"/>
+                  <a:pt x="4701309" y="2438400"/>
+                </a:cubicBezTo>
+                <a:cubicBezTo>
+                  <a:pt x="4692073" y="2435321"/>
+                  <a:pt x="4682172" y="2433780"/>
+                  <a:pt x="4673600" y="2429164"/>
+                </a:cubicBezTo>
+                <a:cubicBezTo>
+                  <a:pt x="4641987" y="2412141"/>
+                  <a:pt x="4612184" y="2391950"/>
+                  <a:pt x="4581236" y="2373745"/>
+                </a:cubicBezTo>
+                <a:cubicBezTo>
+                  <a:pt x="4559841" y="2361160"/>
+                  <a:pt x="4539628" y="2346019"/>
+                  <a:pt x="4516582" y="2336800"/>
+                </a:cubicBezTo>
+                <a:cubicBezTo>
+                  <a:pt x="4501188" y="2330642"/>
+                  <a:pt x="4484520" y="2327016"/>
+                  <a:pt x="4470400" y="2318327"/>
+                </a:cubicBezTo>
+                <a:cubicBezTo>
+                  <a:pt x="4444179" y="2302191"/>
+                  <a:pt x="4396509" y="2262909"/>
+                  <a:pt x="4396509" y="2262909"/>
+                </a:cubicBezTo>
+                <a:cubicBezTo>
+                  <a:pt x="4390351" y="2250594"/>
+                  <a:pt x="4387772" y="2235700"/>
+                  <a:pt x="4378036" y="2225964"/>
+                </a:cubicBezTo>
+                <a:cubicBezTo>
+                  <a:pt x="4365342" y="2213270"/>
+                  <a:pt x="4347078" y="2207770"/>
+                  <a:pt x="4331855" y="2198255"/>
+                </a:cubicBezTo>
+                <a:cubicBezTo>
+                  <a:pt x="4322441" y="2192371"/>
+                  <a:pt x="4313382" y="2185940"/>
+                  <a:pt x="4304145" y="2179782"/>
+                </a:cubicBezTo>
+                <a:cubicBezTo>
+                  <a:pt x="4297988" y="2170546"/>
+                  <a:pt x="4293522" y="2159922"/>
+                  <a:pt x="4285673" y="2152073"/>
+                </a:cubicBezTo>
+                <a:cubicBezTo>
+                  <a:pt x="4248728" y="2115127"/>
+                  <a:pt x="4264121" y="2155151"/>
+                  <a:pt x="4239491" y="2105891"/>
+                </a:cubicBezTo>
+                <a:cubicBezTo>
+                  <a:pt x="4229005" y="2084919"/>
+                  <a:pt x="4223597" y="2061489"/>
+                  <a:pt x="4211782" y="2041236"/>
+                </a:cubicBezTo>
+                <a:cubicBezTo>
+                  <a:pt x="4201849" y="2024208"/>
+                  <a:pt x="4186664" y="2010826"/>
+                  <a:pt x="4174836" y="1995055"/>
+                </a:cubicBezTo>
+                <a:cubicBezTo>
+                  <a:pt x="4158945" y="1973867"/>
+                  <a:pt x="4142000" y="1953277"/>
+                  <a:pt x="4128655" y="1930400"/>
+                </a:cubicBezTo>
+                <a:cubicBezTo>
+                  <a:pt x="4120301" y="1916079"/>
+                  <a:pt x="4118712" y="1898435"/>
+                  <a:pt x="4110182" y="1884218"/>
+                </a:cubicBezTo>
+                <a:cubicBezTo>
+                  <a:pt x="4100039" y="1867313"/>
+                  <a:pt x="4085064" y="1853807"/>
+                  <a:pt x="4073236" y="1838036"/>
+                </a:cubicBezTo>
+                <a:cubicBezTo>
+                  <a:pt x="4031034" y="1781767"/>
+                  <a:pt x="4084687" y="1840249"/>
+                  <a:pt x="4017818" y="1773382"/>
+                </a:cubicBezTo>
+                <a:cubicBezTo>
+                  <a:pt x="4012418" y="1757181"/>
+                  <a:pt x="3996737" y="1708328"/>
+                  <a:pt x="3990109" y="1699491"/>
+                </a:cubicBezTo>
+                <a:cubicBezTo>
+                  <a:pt x="3980873" y="1687176"/>
+                  <a:pt x="3965479" y="1681018"/>
+                  <a:pt x="3953164" y="1671782"/>
+                </a:cubicBezTo>
+                <a:cubicBezTo>
+                  <a:pt x="3950085" y="1659467"/>
+                  <a:pt x="3949604" y="1646190"/>
+                  <a:pt x="3943927" y="1634836"/>
+                </a:cubicBezTo>
+                <a:cubicBezTo>
+                  <a:pt x="3937043" y="1621067"/>
+                  <a:pt x="3925166" y="1610417"/>
+                  <a:pt x="3916218" y="1597891"/>
+                </a:cubicBezTo>
+                <a:cubicBezTo>
+                  <a:pt x="3909766" y="1588858"/>
+                  <a:pt x="3903903" y="1579418"/>
+                  <a:pt x="3897745" y="1570182"/>
+                </a:cubicBezTo>
+                <a:cubicBezTo>
+                  <a:pt x="3874530" y="1500535"/>
+                  <a:pt x="3905846" y="1586383"/>
+                  <a:pt x="3870036" y="1514764"/>
+                </a:cubicBezTo>
+                <a:cubicBezTo>
+                  <a:pt x="3865682" y="1506056"/>
+                  <a:pt x="3865528" y="1495566"/>
+                  <a:pt x="3860800" y="1487055"/>
+                </a:cubicBezTo>
+                <a:cubicBezTo>
+                  <a:pt x="3850018" y="1467647"/>
+                  <a:pt x="3833784" y="1451494"/>
+                  <a:pt x="3823855" y="1431636"/>
+                </a:cubicBezTo>
+                <a:cubicBezTo>
+                  <a:pt x="3800417" y="1384762"/>
+                  <a:pt x="3813020" y="1406147"/>
+                  <a:pt x="3786909" y="1366982"/>
+                </a:cubicBezTo>
+                <a:cubicBezTo>
+                  <a:pt x="3764926" y="1301033"/>
+                  <a:pt x="3784638" y="1322365"/>
+                  <a:pt x="3740727" y="1293091"/>
+                </a:cubicBezTo>
+                <a:cubicBezTo>
+                  <a:pt x="3734570" y="1283855"/>
+                  <a:pt x="3726763" y="1275526"/>
+                  <a:pt x="3722255" y="1265382"/>
+                </a:cubicBezTo>
+                <a:cubicBezTo>
+                  <a:pt x="3714347" y="1247588"/>
+                  <a:pt x="3717551" y="1223733"/>
+                  <a:pt x="3703782" y="1209964"/>
+                </a:cubicBezTo>
+                <a:lnTo>
+                  <a:pt x="3666836" y="1173018"/>
+                </a:lnTo>
+                <a:cubicBezTo>
+                  <a:pt x="3650045" y="1105854"/>
+                  <a:pt x="3672414" y="1160123"/>
+                  <a:pt x="3629891" y="1117600"/>
+                </a:cubicBezTo>
+                <a:cubicBezTo>
+                  <a:pt x="3596613" y="1084322"/>
+                  <a:pt x="3609933" y="1084415"/>
+                  <a:pt x="3583709" y="1052945"/>
+                </a:cubicBezTo>
+                <a:cubicBezTo>
+                  <a:pt x="3575347" y="1042910"/>
+                  <a:pt x="3566311" y="1033255"/>
+                  <a:pt x="3556000" y="1025236"/>
+                </a:cubicBezTo>
+                <a:cubicBezTo>
+                  <a:pt x="3538475" y="1011606"/>
+                  <a:pt x="3500582" y="988291"/>
+                  <a:pt x="3500582" y="988291"/>
+                </a:cubicBezTo>
+                <a:cubicBezTo>
+                  <a:pt x="3494424" y="979055"/>
+                  <a:pt x="3489958" y="968431"/>
+                  <a:pt x="3482109" y="960582"/>
+                </a:cubicBezTo>
+                <a:cubicBezTo>
+                  <a:pt x="3460153" y="938626"/>
+                  <a:pt x="3426420" y="932782"/>
+                  <a:pt x="3398982" y="923636"/>
+                </a:cubicBezTo>
+                <a:lnTo>
+                  <a:pt x="3371273" y="914400"/>
+                </a:lnTo>
+                <a:lnTo>
+                  <a:pt x="3343564" y="905164"/>
+                </a:lnTo>
+                <a:lnTo>
+                  <a:pt x="3315855" y="895927"/>
+                </a:lnTo>
+                <a:cubicBezTo>
+                  <a:pt x="3306702" y="896944"/>
+                  <a:pt x="3198035" y="907491"/>
+                  <a:pt x="3177309" y="914400"/>
+                </a:cubicBezTo>
+                <a:cubicBezTo>
+                  <a:pt x="3166778" y="917910"/>
+                  <a:pt x="3159529" y="927909"/>
+                  <a:pt x="3149600" y="932873"/>
+                </a:cubicBezTo>
+                <a:cubicBezTo>
+                  <a:pt x="3140892" y="937227"/>
+                  <a:pt x="3131127" y="939030"/>
+                  <a:pt x="3121891" y="942109"/>
+                </a:cubicBezTo>
+                <a:cubicBezTo>
+                  <a:pt x="3109576" y="951345"/>
+                  <a:pt x="3098311" y="962180"/>
+                  <a:pt x="3084945" y="969818"/>
+                </a:cubicBezTo>
+                <a:cubicBezTo>
+                  <a:pt x="3076492" y="974648"/>
+                  <a:pt x="3066185" y="975220"/>
+                  <a:pt x="3057236" y="979055"/>
+                </a:cubicBezTo>
+                <a:cubicBezTo>
+                  <a:pt x="2977343" y="1013295"/>
+                  <a:pt x="3057565" y="985101"/>
+                  <a:pt x="2992582" y="1006764"/>
+                </a:cubicBezTo>
+                <a:cubicBezTo>
+                  <a:pt x="2895793" y="1103552"/>
+                  <a:pt x="2962131" y="1045667"/>
+                  <a:pt x="2900218" y="1089891"/>
+                </a:cubicBezTo>
+                <a:cubicBezTo>
+                  <a:pt x="2887692" y="1098839"/>
+                  <a:pt x="2876327" y="1109441"/>
+                  <a:pt x="2863273" y="1117600"/>
+                </a:cubicBezTo>
+                <a:cubicBezTo>
+                  <a:pt x="2851597" y="1124898"/>
+                  <a:pt x="2838282" y="1129242"/>
+                  <a:pt x="2826327" y="1136073"/>
+                </a:cubicBezTo>
+                <a:cubicBezTo>
+                  <a:pt x="2776193" y="1164720"/>
+                  <a:pt x="2821712" y="1146846"/>
+                  <a:pt x="2770909" y="1163782"/>
+                </a:cubicBezTo>
+                <a:cubicBezTo>
+                  <a:pt x="2743816" y="1184102"/>
+                  <a:pt x="2733264" y="1193083"/>
+                  <a:pt x="2706255" y="1209964"/>
+                </a:cubicBezTo>
+                <a:cubicBezTo>
+                  <a:pt x="2691031" y="1219479"/>
+                  <a:pt x="2675010" y="1227715"/>
+                  <a:pt x="2660073" y="1237673"/>
+                </a:cubicBezTo>
+                <a:cubicBezTo>
+                  <a:pt x="2647264" y="1246212"/>
+                  <a:pt x="2634815" y="1255364"/>
+                  <a:pt x="2623127" y="1265382"/>
+                </a:cubicBezTo>
+                <a:cubicBezTo>
+                  <a:pt x="2613209" y="1273883"/>
+                  <a:pt x="2606286" y="1285845"/>
+                  <a:pt x="2595418" y="1293091"/>
+                </a:cubicBezTo>
+                <a:cubicBezTo>
+                  <a:pt x="2587317" y="1298491"/>
+                  <a:pt x="2576945" y="1299248"/>
+                  <a:pt x="2567709" y="1302327"/>
+                </a:cubicBezTo>
+                <a:cubicBezTo>
+                  <a:pt x="2482998" y="1387040"/>
+                  <a:pt x="2591079" y="1286746"/>
+                  <a:pt x="2456873" y="1376218"/>
+                </a:cubicBezTo>
+                <a:cubicBezTo>
+                  <a:pt x="2447637" y="1382376"/>
+                  <a:pt x="2437692" y="1387584"/>
+                  <a:pt x="2429164" y="1394691"/>
+                </a:cubicBezTo>
+                <a:cubicBezTo>
+                  <a:pt x="2419129" y="1403053"/>
+                  <a:pt x="2412323" y="1415155"/>
+                  <a:pt x="2401455" y="1422400"/>
+                </a:cubicBezTo>
+                <a:cubicBezTo>
+                  <a:pt x="2393354" y="1427801"/>
+                  <a:pt x="2382982" y="1428557"/>
+                  <a:pt x="2373745" y="1431636"/>
+                </a:cubicBezTo>
+                <a:cubicBezTo>
+                  <a:pt x="2346709" y="1458672"/>
+                  <a:pt x="2316089" y="1494519"/>
+                  <a:pt x="2281382" y="1514764"/>
+                </a:cubicBezTo>
+                <a:cubicBezTo>
+                  <a:pt x="2113754" y="1612547"/>
+                  <a:pt x="2264188" y="1513910"/>
+                  <a:pt x="2179782" y="1570182"/>
+                </a:cubicBezTo>
+                <a:cubicBezTo>
+                  <a:pt x="2173624" y="1579418"/>
+                  <a:pt x="2169158" y="1590042"/>
+                  <a:pt x="2161309" y="1597891"/>
+                </a:cubicBezTo>
+                <a:cubicBezTo>
+                  <a:pt x="2111407" y="1647792"/>
+                  <a:pt x="2124773" y="1617718"/>
+                  <a:pt x="2087418" y="1662545"/>
+                </a:cubicBezTo>
+                <a:cubicBezTo>
+                  <a:pt x="2056390" y="1699779"/>
+                  <a:pt x="2081336" y="1690198"/>
+                  <a:pt x="2032000" y="1727200"/>
+                </a:cubicBezTo>
+                <a:cubicBezTo>
+                  <a:pt x="2020985" y="1735461"/>
+                  <a:pt x="2006862" y="1738589"/>
+                  <a:pt x="1995055" y="1745673"/>
+                </a:cubicBezTo>
+                <a:cubicBezTo>
+                  <a:pt x="1976017" y="1757096"/>
+                  <a:pt x="1958109" y="1770303"/>
+                  <a:pt x="1939636" y="1782618"/>
+                </a:cubicBezTo>
+                <a:cubicBezTo>
+                  <a:pt x="1915007" y="1799037"/>
+                  <a:pt x="1903363" y="1804184"/>
+                  <a:pt x="1884218" y="1828800"/>
+                </a:cubicBezTo>
+                <a:cubicBezTo>
+                  <a:pt x="1870588" y="1846325"/>
+                  <a:pt x="1860903" y="1866693"/>
+                  <a:pt x="1847273" y="1884218"/>
+                </a:cubicBezTo>
+                <a:lnTo>
+                  <a:pt x="1782618" y="1967345"/>
+                </a:lnTo>
+                <a:cubicBezTo>
+                  <a:pt x="1773232" y="1979547"/>
+                  <a:pt x="1763448" y="1991482"/>
+                  <a:pt x="1754909" y="2004291"/>
+                </a:cubicBezTo>
+                <a:lnTo>
+                  <a:pt x="1717964" y="2059709"/>
+                </a:lnTo>
+                <a:cubicBezTo>
+                  <a:pt x="1711806" y="2068945"/>
+                  <a:pt x="1710022" y="2083907"/>
+                  <a:pt x="1699491" y="2087418"/>
+                </a:cubicBezTo>
+                <a:lnTo>
+                  <a:pt x="1671782" y="2096655"/>
+                </a:lnTo>
+                <a:cubicBezTo>
+                  <a:pt x="1668703" y="2105891"/>
+                  <a:pt x="1666899" y="2115656"/>
+                  <a:pt x="1662545" y="2124364"/>
+                </a:cubicBezTo>
+                <a:cubicBezTo>
+                  <a:pt x="1657581" y="2134293"/>
+                  <a:pt x="1647583" y="2141542"/>
+                  <a:pt x="1644073" y="2152073"/>
+                </a:cubicBezTo>
+                <a:cubicBezTo>
+                  <a:pt x="1632030" y="2188201"/>
+                  <a:pt x="1628945" y="2226965"/>
+                  <a:pt x="1616364" y="2262909"/>
+                </a:cubicBezTo>
+                <a:cubicBezTo>
+                  <a:pt x="1599992" y="2309687"/>
+                  <a:pt x="1564529" y="2357342"/>
+                  <a:pt x="1542473" y="2401455"/>
+                </a:cubicBezTo>
+                <a:cubicBezTo>
+                  <a:pt x="1531987" y="2422427"/>
+                  <a:pt x="1524000" y="2444558"/>
+                  <a:pt x="1514764" y="2466109"/>
+                </a:cubicBezTo>
+                <a:cubicBezTo>
+                  <a:pt x="1511685" y="2493818"/>
+                  <a:pt x="1516509" y="2523611"/>
+                  <a:pt x="1505527" y="2549236"/>
+                </a:cubicBezTo>
+                <a:cubicBezTo>
+                  <a:pt x="1478901" y="2611364"/>
+                  <a:pt x="1431897" y="2663192"/>
+                  <a:pt x="1403927" y="2724727"/>
+                </a:cubicBezTo>
+                <a:cubicBezTo>
+                  <a:pt x="1388533" y="2758594"/>
+                  <a:pt x="1372656" y="2792245"/>
+                  <a:pt x="1357745" y="2826327"/>
+                </a:cubicBezTo>
+                <a:cubicBezTo>
+                  <a:pt x="1351100" y="2841517"/>
+                  <a:pt x="1345095" y="2856985"/>
+                  <a:pt x="1339273" y="2872509"/>
+                </a:cubicBezTo>
+                <a:cubicBezTo>
+                  <a:pt x="1335854" y="2881625"/>
+                  <a:pt x="1336118" y="2892615"/>
+                  <a:pt x="1330036" y="2900218"/>
+                </a:cubicBezTo>
+                <a:cubicBezTo>
+                  <a:pt x="1323101" y="2908886"/>
+                  <a:pt x="1311563" y="2912533"/>
+                  <a:pt x="1302327" y="2918691"/>
+                </a:cubicBezTo>
+                <a:cubicBezTo>
+                  <a:pt x="1282565" y="2977980"/>
+                  <a:pt x="1309826" y="2913718"/>
+                  <a:pt x="1256145" y="2974109"/>
+                </a:cubicBezTo>
+                <a:cubicBezTo>
+                  <a:pt x="1241395" y="2990702"/>
+                  <a:pt x="1230622" y="3010489"/>
+                  <a:pt x="1219200" y="3029527"/>
+                </a:cubicBezTo>
+                <a:cubicBezTo>
+                  <a:pt x="1212116" y="3041334"/>
+                  <a:pt x="1210463" y="3056737"/>
+                  <a:pt x="1200727" y="3066473"/>
+                </a:cubicBezTo>
+                <a:cubicBezTo>
+                  <a:pt x="1190991" y="3076209"/>
+                  <a:pt x="1175818" y="3078258"/>
+                  <a:pt x="1163782" y="3084945"/>
+                </a:cubicBezTo>
+                <a:cubicBezTo>
+                  <a:pt x="1148089" y="3093664"/>
+                  <a:pt x="1132824" y="3103140"/>
+                  <a:pt x="1117600" y="3112655"/>
+                </a:cubicBezTo>
+                <a:cubicBezTo>
+                  <a:pt x="1108187" y="3118538"/>
+                  <a:pt x="1098771" y="3124467"/>
+                  <a:pt x="1089891" y="3131127"/>
+                </a:cubicBezTo>
+                <a:cubicBezTo>
+                  <a:pt x="1074120" y="3142955"/>
+                  <a:pt x="1060942" y="3158499"/>
+                  <a:pt x="1043709" y="3168073"/>
+                </a:cubicBezTo>
+                <a:cubicBezTo>
+                  <a:pt x="1032612" y="3174238"/>
+                  <a:pt x="1019079" y="3174230"/>
+                  <a:pt x="1006764" y="3177309"/>
+                </a:cubicBezTo>
+                <a:cubicBezTo>
+                  <a:pt x="988291" y="3189624"/>
+                  <a:pt x="971959" y="3206010"/>
+                  <a:pt x="951345" y="3214255"/>
+                </a:cubicBezTo>
+                <a:cubicBezTo>
+                  <a:pt x="893378" y="3237441"/>
+                  <a:pt x="921248" y="3228706"/>
+                  <a:pt x="868218" y="3241964"/>
+                </a:cubicBezTo>
+                <a:cubicBezTo>
+                  <a:pt x="692727" y="3238885"/>
+                  <a:pt x="517064" y="3241076"/>
+                  <a:pt x="341745" y="3232727"/>
+                </a:cubicBezTo>
+                <a:cubicBezTo>
+                  <a:pt x="322600" y="3231815"/>
+                  <a:pt x="268857" y="3207468"/>
+                  <a:pt x="249382" y="3195782"/>
+                </a:cubicBezTo>
+                <a:cubicBezTo>
+                  <a:pt x="230344" y="3184359"/>
+                  <a:pt x="215026" y="3165856"/>
+                  <a:pt x="193964" y="3158836"/>
+                </a:cubicBezTo>
+                <a:lnTo>
+                  <a:pt x="138545" y="3140364"/>
+                </a:lnTo>
+                <a:cubicBezTo>
+                  <a:pt x="129309" y="3137285"/>
+                  <a:pt x="118937" y="3136528"/>
+                  <a:pt x="110836" y="3131127"/>
+                </a:cubicBezTo>
+                <a:cubicBezTo>
+                  <a:pt x="49690" y="3090363"/>
+                  <a:pt x="75275" y="3104111"/>
+                  <a:pt x="36945" y="3084945"/>
+                </a:cubicBezTo>
+              </a:path>
+            </a:pathLst>
+          </a:custGeom>
+          <a:noFill/>
+          <a:ln w="12700">
+            <a:solidFill>
+              <a:schemeClr val="tx1"/>
+            </a:solidFill>
+          </a:ln>
+        </p:spPr>
+        <p:style>
+          <a:lnRef idx="2">
+            <a:schemeClr val="accent1">
+              <a:shade val="50000"/>
+            </a:schemeClr>
+          </a:lnRef>
+          <a:fillRef idx="1">
+            <a:schemeClr val="accent1"/>
+          </a:fillRef>
+          <a:effectRef idx="0">
+            <a:schemeClr val="accent1"/>
+          </a:effectRef>
+          <a:fontRef idx="minor">
+            <a:schemeClr val="lt1"/>
+          </a:fontRef>
+        </p:style>
+        <p:txBody>
+          <a:bodyPr rtlCol="0" anchor="ctr"/>
+          <a:lstStyle/>
+          <a:p>
+            <a:pPr algn="ctr"/>
+            <a:endParaRPr lang="en-US"/>
+          </a:p>
+        </p:txBody>
+      </p:sp>
+      <p:sp>
+        <p:nvSpPr>
+          <p:cNvPr id="12" name="Rectangle 11"/>
+          <p:cNvSpPr/>
+          <p:nvPr/>
+        </p:nvSpPr>
+        <p:spPr>
+          <a:xfrm rot="20068480">
+            <a:off x="619025" y="2181157"/>
+            <a:ext cx="661824" cy="311240"/>
+          </a:xfrm>
+          <a:prstGeom prst="rect">
+            <a:avLst/>
+          </a:prstGeom>
+          <a:solidFill>
+            <a:schemeClr val="accent2"/>
+          </a:solidFill>
+          <a:ln>
+            <a:solidFill>
+              <a:schemeClr val="accent2">
+                <a:lumMod val="60000"/>
+                <a:lumOff val="40000"/>
+              </a:schemeClr>
+            </a:solidFill>
+          </a:ln>
+        </p:spPr>
+        <p:style>
+          <a:lnRef idx="2">
+            <a:schemeClr val="accent1">
+              <a:shade val="50000"/>
+            </a:schemeClr>
+          </a:lnRef>
+          <a:fillRef idx="1">
+            <a:schemeClr val="accent1"/>
+          </a:fillRef>
+          <a:effectRef idx="0">
+            <a:schemeClr val="accent1"/>
+          </a:effectRef>
+          <a:fontRef idx="minor">
+            <a:schemeClr val="lt1"/>
+          </a:fontRef>
+        </p:style>
+        <p:txBody>
+          <a:bodyPr rtlCol="0" anchor="ctr"/>
+          <a:lstStyle/>
+          <a:p>
+            <a:pPr algn="ctr"/>
+            <a:r>
+              <a:rPr lang="en-GB" dirty="0" smtClean="0">
+                <a:solidFill>
+                  <a:sysClr val="windowText" lastClr="000000"/>
+                </a:solidFill>
+              </a:rPr>
+              <a:t>Enh1</a:t>
+            </a:r>
+            <a:endParaRPr lang="en-US" dirty="0">
+              <a:solidFill>
+                <a:sysClr val="windowText" lastClr="000000"/>
+              </a:solidFill>
+            </a:endParaRPr>
+          </a:p>
+        </p:txBody>
+      </p:sp>
+      <p:pic>
+        <p:nvPicPr>
+          <p:cNvPr id="13" name="Picture 2" descr="Enhancers and their features."/>
+          <p:cNvPicPr>
+            <a:picLocks noChangeAspect="1" noChangeArrowheads="1"/>
+          </p:cNvPicPr>
+          <p:nvPr/>
+        </p:nvPicPr>
+        <p:blipFill rotWithShape="1">
+          <a:blip r:embed="rId2">
+            <a:extLst>
+              <a:ext uri="{28A0092B-C50C-407E-A947-70E740481C1C}">
+                <a14:useLocalDpi xmlns:a14="http://schemas.microsoft.com/office/drawing/2010/main" val="0"/>
+              </a:ext>
+            </a:extLst>
+          </a:blip>
+          <a:srcRect l="69425" t="8912" r="22065" b="84412"/>
+          <a:stretch/>
+        </p:blipFill>
+        <p:spPr bwMode="auto">
+          <a:xfrm>
+            <a:off x="1316482" y="1942070"/>
+            <a:ext cx="895323" cy="719459"/>
+          </a:xfrm>
+          <a:prstGeom prst="rect">
+            <a:avLst/>
+          </a:prstGeom>
+          <a:noFill/>
+          <a:ln>
+            <a:noFill/>
+          </a:ln>
+          <a:extLst>
+            <a:ext uri="{909E8E84-426E-40DD-AFC4-6F175D3DCCD1}">
+              <a14:hiddenFill xmlns:a14="http://schemas.microsoft.com/office/drawing/2010/main">
+                <a:solidFill>
+                  <a:srgbClr val="FFFFFF"/>
+                </a:solidFill>
+              </a14:hiddenFill>
+            </a:ext>
+          </a:extLst>
+        </p:spPr>
+      </p:pic>
+      <p:sp>
+        <p:nvSpPr>
+          <p:cNvPr id="14" name="Rectangle 13"/>
+          <p:cNvSpPr/>
+          <p:nvPr/>
+        </p:nvSpPr>
+        <p:spPr>
+          <a:xfrm>
+            <a:off x="3238505" y="2478670"/>
+            <a:ext cx="653528" cy="312651"/>
+          </a:xfrm>
+          <a:prstGeom prst="rect">
+            <a:avLst/>
+          </a:prstGeom>
+          <a:solidFill>
+            <a:schemeClr val="accent6">
+              <a:lumMod val="60000"/>
+              <a:lumOff val="40000"/>
+            </a:schemeClr>
+          </a:solidFill>
+          <a:ln>
+            <a:solidFill>
+              <a:srgbClr val="92D050"/>
+            </a:solidFill>
+          </a:ln>
+        </p:spPr>
+        <p:style>
+          <a:lnRef idx="2">
+            <a:schemeClr val="accent1">
+              <a:shade val="50000"/>
+            </a:schemeClr>
+          </a:lnRef>
+          <a:fillRef idx="1">
+            <a:schemeClr val="accent1"/>
+          </a:fillRef>
+          <a:effectRef idx="0">
+            <a:schemeClr val="accent1"/>
+          </a:effectRef>
+          <a:fontRef idx="minor">
+            <a:schemeClr val="lt1"/>
+          </a:fontRef>
+        </p:style>
+        <p:txBody>
+          <a:bodyPr rtlCol="0" anchor="ctr"/>
+          <a:lstStyle/>
+          <a:p>
+            <a:pPr algn="ctr"/>
+            <a:r>
+              <a:rPr lang="en-GB" dirty="0" smtClean="0">
+                <a:solidFill>
+                  <a:schemeClr val="tx1"/>
+                </a:solidFill>
+              </a:rPr>
+              <a:t>Enh4</a:t>
+            </a:r>
+            <a:endParaRPr lang="en-US" dirty="0">
+              <a:solidFill>
+                <a:schemeClr val="tx1"/>
+              </a:solidFill>
+            </a:endParaRPr>
+          </a:p>
+        </p:txBody>
+      </p:sp>
+      <p:pic>
+        <p:nvPicPr>
+          <p:cNvPr id="15" name="Picture 2" descr="Enhancers and their features."/>
+          <p:cNvPicPr>
+            <a:picLocks noChangeAspect="1" noChangeArrowheads="1"/>
+          </p:cNvPicPr>
+          <p:nvPr/>
+        </p:nvPicPr>
+        <p:blipFill rotWithShape="1">
+          <a:blip r:embed="rId2">
+            <a:extLst>
+              <a:ext uri="{28A0092B-C50C-407E-A947-70E740481C1C}">
+                <a14:useLocalDpi xmlns:a14="http://schemas.microsoft.com/office/drawing/2010/main" val="0"/>
+              </a:ext>
+            </a:extLst>
+          </a:blip>
+          <a:srcRect l="69425" t="8912" r="22065" b="84412"/>
+          <a:stretch/>
+        </p:blipFill>
+        <p:spPr bwMode="auto">
+          <a:xfrm>
+            <a:off x="2156596" y="1995931"/>
+            <a:ext cx="895323" cy="719459"/>
+          </a:xfrm>
+          <a:prstGeom prst="rect">
+            <a:avLst/>
+          </a:prstGeom>
+          <a:noFill/>
+          <a:ln>
+            <a:noFill/>
+          </a:ln>
+          <a:extLst>
+            <a:ext uri="{909E8E84-426E-40DD-AFC4-6F175D3DCCD1}">
+              <a14:hiddenFill xmlns:a14="http://schemas.microsoft.com/office/drawing/2010/main">
+                <a:solidFill>
+                  <a:srgbClr val="FFFFFF"/>
+                </a:solidFill>
+              </a14:hiddenFill>
+            </a:ext>
+          </a:extLst>
+        </p:spPr>
+      </p:pic>
+      <p:pic>
+        <p:nvPicPr>
+          <p:cNvPr id="16" name="Picture 2" descr="Enhancers and their features."/>
+          <p:cNvPicPr>
+            <a:picLocks noChangeAspect="1" noChangeArrowheads="1"/>
+          </p:cNvPicPr>
+          <p:nvPr/>
+        </p:nvPicPr>
+        <p:blipFill rotWithShape="1">
+          <a:blip r:embed="rId2">
+            <a:extLst>
+              <a:ext uri="{28A0092B-C50C-407E-A947-70E740481C1C}">
+                <a14:useLocalDpi xmlns:a14="http://schemas.microsoft.com/office/drawing/2010/main" val="0"/>
+              </a:ext>
+            </a:extLst>
+          </a:blip>
+          <a:srcRect l="69425" t="8912" r="22065" b="84412"/>
+          <a:stretch/>
+        </p:blipFill>
+        <p:spPr bwMode="auto">
+          <a:xfrm>
+            <a:off x="3892033" y="1995931"/>
+            <a:ext cx="895323" cy="719459"/>
+          </a:xfrm>
+          <a:prstGeom prst="rect">
+            <a:avLst/>
+          </a:prstGeom>
+          <a:noFill/>
+          <a:ln>
+            <a:noFill/>
+          </a:ln>
+          <a:extLst>
+            <a:ext uri="{909E8E84-426E-40DD-AFC4-6F175D3DCCD1}">
+              <a14:hiddenFill xmlns:a14="http://schemas.microsoft.com/office/drawing/2010/main">
+                <a:solidFill>
+                  <a:srgbClr val="FFFFFF"/>
+                </a:solidFill>
+              </a14:hiddenFill>
+            </a:ext>
+          </a:extLst>
+        </p:spPr>
+      </p:pic>
+      <p:pic>
+        <p:nvPicPr>
+          <p:cNvPr id="17" name="Picture 2" descr="Enhancers and their features."/>
+          <p:cNvPicPr>
+            <a:picLocks noChangeAspect="1" noChangeArrowheads="1"/>
+          </p:cNvPicPr>
+          <p:nvPr/>
+        </p:nvPicPr>
+        <p:blipFill rotWithShape="1">
+          <a:blip r:embed="rId2">
+            <a:extLst>
+              <a:ext uri="{28A0092B-C50C-407E-A947-70E740481C1C}">
+                <a14:useLocalDpi xmlns:a14="http://schemas.microsoft.com/office/drawing/2010/main" val="0"/>
+              </a:ext>
+            </a:extLst>
+          </a:blip>
+          <a:srcRect l="69425" t="8912" r="22065" b="84412"/>
+          <a:stretch/>
+        </p:blipFill>
+        <p:spPr bwMode="auto">
+          <a:xfrm>
+            <a:off x="4748595" y="2071862"/>
+            <a:ext cx="895323" cy="719459"/>
+          </a:xfrm>
+          <a:prstGeom prst="rect">
+            <a:avLst/>
+          </a:prstGeom>
+          <a:noFill/>
+          <a:ln>
+            <a:noFill/>
+          </a:ln>
+          <a:extLst>
+            <a:ext uri="{909E8E84-426E-40DD-AFC4-6F175D3DCCD1}">
+              <a14:hiddenFill xmlns:a14="http://schemas.microsoft.com/office/drawing/2010/main">
+                <a:solidFill>
+                  <a:srgbClr val="FFFFFF"/>
+                </a:solidFill>
+              </a14:hiddenFill>
+            </a:ext>
+          </a:extLst>
+        </p:spPr>
+      </p:pic>
+      <p:sp>
+        <p:nvSpPr>
+          <p:cNvPr id="18" name="Rectangle 17"/>
+          <p:cNvSpPr/>
+          <p:nvPr/>
+        </p:nvSpPr>
+        <p:spPr>
+          <a:xfrm rot="19405220">
+            <a:off x="1069583" y="4434412"/>
+            <a:ext cx="687060" cy="295652"/>
+          </a:xfrm>
+          <a:prstGeom prst="rect">
+            <a:avLst/>
+          </a:prstGeom>
+          <a:solidFill>
+            <a:srgbClr val="00B0F0"/>
+          </a:solidFill>
+          <a:ln>
+            <a:solidFill>
+              <a:srgbClr val="00B0F0"/>
+            </a:solidFill>
+          </a:ln>
+        </p:spPr>
+        <p:style>
+          <a:lnRef idx="2">
+            <a:schemeClr val="accent1">
+              <a:shade val="50000"/>
+            </a:schemeClr>
+          </a:lnRef>
+          <a:fillRef idx="1">
+            <a:schemeClr val="accent1"/>
+          </a:fillRef>
+          <a:effectRef idx="0">
+            <a:schemeClr val="accent1"/>
+          </a:effectRef>
+          <a:fontRef idx="minor">
+            <a:schemeClr val="lt1"/>
+          </a:fontRef>
+        </p:style>
+        <p:txBody>
+          <a:bodyPr rtlCol="0" anchor="ctr"/>
+          <a:lstStyle/>
+          <a:p>
+            <a:pPr algn="ctr"/>
+            <a:r>
+              <a:rPr lang="en-GB" dirty="0" err="1" smtClean="0">
+                <a:solidFill>
+                  <a:schemeClr val="tx1"/>
+                </a:solidFill>
+              </a:rPr>
+              <a:t>Silnc</a:t>
+            </a:r>
+            <a:endParaRPr lang="en-US" dirty="0">
+              <a:solidFill>
+                <a:schemeClr val="tx1"/>
+              </a:solidFill>
+            </a:endParaRPr>
+          </a:p>
+        </p:txBody>
+      </p:sp>
+      <p:sp>
+        <p:nvSpPr>
+          <p:cNvPr id="19" name="Rectangle 18"/>
+          <p:cNvSpPr/>
+          <p:nvPr/>
+        </p:nvSpPr>
+        <p:spPr>
+          <a:xfrm rot="18300706">
+            <a:off x="2004761" y="3201679"/>
+            <a:ext cx="517236" cy="221673"/>
+          </a:xfrm>
+          <a:prstGeom prst="rect">
+            <a:avLst/>
+          </a:prstGeom>
+          <a:solidFill>
+            <a:srgbClr val="FF0000"/>
+          </a:solidFill>
+          <a:ln>
+            <a:solidFill>
+              <a:srgbClr val="FF0000"/>
+            </a:solidFill>
+          </a:ln>
+        </p:spPr>
+        <p:style>
+          <a:lnRef idx="2">
+            <a:schemeClr val="accent1">
+              <a:shade val="50000"/>
+            </a:schemeClr>
+          </a:lnRef>
+          <a:fillRef idx="1">
+            <a:schemeClr val="accent1"/>
+          </a:fillRef>
+          <a:effectRef idx="0">
+            <a:schemeClr val="accent1"/>
+          </a:effectRef>
+          <a:fontRef idx="minor">
+            <a:schemeClr val="lt1"/>
+          </a:fontRef>
+        </p:style>
+        <p:txBody>
+          <a:bodyPr rtlCol="0" anchor="ctr"/>
+          <a:lstStyle/>
+          <a:p>
+            <a:pPr algn="ctr"/>
+            <a:r>
+              <a:rPr lang="en-GB" dirty="0" smtClean="0">
+                <a:solidFill>
+                  <a:schemeClr val="tx1"/>
+                </a:solidFill>
+              </a:rPr>
+              <a:t>Ins</a:t>
+            </a:r>
+            <a:endParaRPr lang="en-US" dirty="0">
+              <a:solidFill>
+                <a:schemeClr val="tx1"/>
+              </a:solidFill>
+            </a:endParaRPr>
+          </a:p>
+        </p:txBody>
+      </p:sp>
+      <p:sp>
+        <p:nvSpPr>
+          <p:cNvPr id="20" name="TextBox 19"/>
+          <p:cNvSpPr txBox="1"/>
+          <p:nvPr/>
+        </p:nvSpPr>
+        <p:spPr>
+          <a:xfrm>
+            <a:off x="2932798" y="1107037"/>
+            <a:ext cx="1244700" cy="369332"/>
+          </a:xfrm>
+          <a:prstGeom prst="rect">
+            <a:avLst/>
+          </a:prstGeom>
+          <a:noFill/>
+        </p:spPr>
+        <p:txBody>
+          <a:bodyPr wrap="none" rtlCol="0">
+            <a:spAutoFit/>
+          </a:bodyPr>
+          <a:lstStyle/>
+          <a:p>
+            <a:r>
+              <a:rPr lang="en-GB" dirty="0" smtClean="0"/>
+              <a:t>TSS Gene A</a:t>
+            </a:r>
+            <a:endParaRPr lang="en-US" dirty="0"/>
+          </a:p>
+        </p:txBody>
+      </p:sp>
+      <p:sp>
+        <p:nvSpPr>
+          <p:cNvPr id="21" name="Oval 20"/>
+          <p:cNvSpPr/>
+          <p:nvPr/>
+        </p:nvSpPr>
+        <p:spPr>
+          <a:xfrm>
+            <a:off x="3036801" y="1995930"/>
+            <a:ext cx="591924" cy="462788"/>
+          </a:xfrm>
+          <a:prstGeom prst="ellipse">
+            <a:avLst/>
+          </a:prstGeom>
+        </p:spPr>
+        <p:style>
+          <a:lnRef idx="2">
+            <a:schemeClr val="accent1">
+              <a:shade val="50000"/>
+            </a:schemeClr>
+          </a:lnRef>
+          <a:fillRef idx="1">
+            <a:schemeClr val="accent1"/>
+          </a:fillRef>
+          <a:effectRef idx="0">
+            <a:schemeClr val="accent1"/>
+          </a:effectRef>
+          <a:fontRef idx="minor">
+            <a:schemeClr val="lt1"/>
+          </a:fontRef>
+        </p:style>
+        <p:txBody>
+          <a:bodyPr rtlCol="0" anchor="ctr"/>
+          <a:lstStyle/>
+          <a:p>
+            <a:pPr algn="ctr"/>
+            <a:r>
+              <a:rPr lang="en-GB" dirty="0" smtClean="0"/>
+              <a:t>TF</a:t>
+            </a:r>
+            <a:endParaRPr lang="en-US" dirty="0"/>
+          </a:p>
+        </p:txBody>
+      </p:sp>
+      <p:sp>
+        <p:nvSpPr>
+          <p:cNvPr id="22" name="Oval 21"/>
+          <p:cNvSpPr/>
+          <p:nvPr/>
+        </p:nvSpPr>
+        <p:spPr>
+          <a:xfrm>
+            <a:off x="3481571" y="1982704"/>
+            <a:ext cx="591924" cy="462788"/>
+          </a:xfrm>
+          <a:prstGeom prst="ellipse">
+            <a:avLst/>
+          </a:prstGeom>
+          <a:solidFill>
+            <a:srgbClr val="7030A0"/>
+          </a:solidFill>
+          <a:ln>
+            <a:solidFill>
+              <a:srgbClr val="7030A0"/>
+            </a:solidFill>
+          </a:ln>
+        </p:spPr>
+        <p:style>
+          <a:lnRef idx="2">
+            <a:schemeClr val="accent1">
+              <a:shade val="50000"/>
+            </a:schemeClr>
+          </a:lnRef>
+          <a:fillRef idx="1">
+            <a:schemeClr val="accent1"/>
+          </a:fillRef>
+          <a:effectRef idx="0">
+            <a:schemeClr val="accent1"/>
+          </a:effectRef>
+          <a:fontRef idx="minor">
+            <a:schemeClr val="lt1"/>
+          </a:fontRef>
+        </p:style>
+        <p:txBody>
+          <a:bodyPr rtlCol="0" anchor="ctr"/>
+          <a:lstStyle/>
+          <a:p>
+            <a:pPr algn="ctr"/>
+            <a:r>
+              <a:rPr lang="en-GB" dirty="0" smtClean="0"/>
+              <a:t>TF</a:t>
+            </a:r>
+            <a:endParaRPr lang="en-US" dirty="0"/>
+          </a:p>
+        </p:txBody>
+      </p:sp>
+      <p:pic>
+        <p:nvPicPr>
+          <p:cNvPr id="24" name="Picture 2" descr="Enhancers and their features."/>
+          <p:cNvPicPr>
+            <a:picLocks noChangeAspect="1" noChangeArrowheads="1"/>
+          </p:cNvPicPr>
+          <p:nvPr/>
+        </p:nvPicPr>
+        <p:blipFill rotWithShape="1">
+          <a:blip r:embed="rId2">
+            <a:extLst>
+              <a:ext uri="{28A0092B-C50C-407E-A947-70E740481C1C}">
+                <a14:useLocalDpi xmlns:a14="http://schemas.microsoft.com/office/drawing/2010/main" val="0"/>
+              </a:ext>
+            </a:extLst>
+          </a:blip>
+          <a:srcRect l="69425" t="9701" r="22460" b="85467"/>
+          <a:stretch/>
+        </p:blipFill>
+        <p:spPr bwMode="auto">
+          <a:xfrm rot="20001460">
+            <a:off x="2395509" y="2595472"/>
+            <a:ext cx="853763" cy="520803"/>
+          </a:xfrm>
+          <a:prstGeom prst="rect">
+            <a:avLst/>
+          </a:prstGeom>
+          <a:noFill/>
+          <a:ln>
+            <a:noFill/>
+          </a:ln>
+          <a:extLst>
+            <a:ext uri="{909E8E84-426E-40DD-AFC4-6F175D3DCCD1}">
+              <a14:hiddenFill xmlns:a14="http://schemas.microsoft.com/office/drawing/2010/main">
+                <a:solidFill>
+                  <a:srgbClr val="FFFFFF"/>
+                </a:solidFill>
+              </a14:hiddenFill>
+            </a:ext>
+          </a:extLst>
+        </p:spPr>
+      </p:pic>
+      <p:pic>
+        <p:nvPicPr>
+          <p:cNvPr id="25" name="Picture 2" descr="Enhancers and their features."/>
+          <p:cNvPicPr>
+            <a:picLocks noChangeAspect="1" noChangeArrowheads="1"/>
+          </p:cNvPicPr>
+          <p:nvPr/>
+        </p:nvPicPr>
+        <p:blipFill rotWithShape="1">
+          <a:blip r:embed="rId2">
+            <a:extLst>
+              <a:ext uri="{28A0092B-C50C-407E-A947-70E740481C1C}">
+                <a14:useLocalDpi xmlns:a14="http://schemas.microsoft.com/office/drawing/2010/main" val="0"/>
+              </a:ext>
+            </a:extLst>
+          </a:blip>
+          <a:srcRect l="69425" t="9701" r="22460" b="85467"/>
+          <a:stretch/>
+        </p:blipFill>
+        <p:spPr bwMode="auto">
+          <a:xfrm rot="3380559">
+            <a:off x="3790383" y="2753182"/>
+            <a:ext cx="853763" cy="520803"/>
+          </a:xfrm>
+          <a:prstGeom prst="rect">
+            <a:avLst/>
+          </a:prstGeom>
+          <a:noFill/>
+          <a:ln>
+            <a:noFill/>
+          </a:ln>
+          <a:extLst>
+            <a:ext uri="{909E8E84-426E-40DD-AFC4-6F175D3DCCD1}">
+              <a14:hiddenFill xmlns:a14="http://schemas.microsoft.com/office/drawing/2010/main">
+                <a:solidFill>
+                  <a:srgbClr val="FFFFFF"/>
+                </a:solidFill>
+              </a14:hiddenFill>
+            </a:ext>
+          </a:extLst>
+        </p:spPr>
+      </p:pic>
+      <p:sp>
+        <p:nvSpPr>
+          <p:cNvPr id="26" name="Oval 25"/>
+          <p:cNvSpPr/>
+          <p:nvPr/>
+        </p:nvSpPr>
+        <p:spPr>
+          <a:xfrm>
+            <a:off x="3036801" y="1617044"/>
+            <a:ext cx="1036694" cy="365660"/>
+          </a:xfrm>
+          <a:prstGeom prst="ellipse">
+            <a:avLst/>
+          </a:prstGeom>
+          <a:solidFill>
+            <a:schemeClr val="accent4">
+              <a:lumMod val="60000"/>
+              <a:lumOff val="40000"/>
+            </a:schemeClr>
+          </a:solidFill>
+          <a:ln>
+            <a:solidFill>
+              <a:srgbClr val="FFC000"/>
+            </a:solidFill>
+          </a:ln>
+        </p:spPr>
+        <p:style>
+          <a:lnRef idx="2">
+            <a:schemeClr val="accent1">
+              <a:shade val="50000"/>
+            </a:schemeClr>
+          </a:lnRef>
+          <a:fillRef idx="1">
+            <a:schemeClr val="accent1"/>
+          </a:fillRef>
+          <a:effectRef idx="0">
+            <a:schemeClr val="accent1"/>
+          </a:effectRef>
+          <a:fontRef idx="minor">
+            <a:schemeClr val="lt1"/>
+          </a:fontRef>
+        </p:style>
+        <p:txBody>
+          <a:bodyPr rtlCol="0" anchor="ctr"/>
+          <a:lstStyle/>
+          <a:p>
+            <a:pPr algn="ctr"/>
+            <a:r>
+              <a:rPr lang="en-GB" dirty="0" err="1" smtClean="0">
+                <a:solidFill>
+                  <a:schemeClr val="tx1"/>
+                </a:solidFill>
+              </a:rPr>
+              <a:t>PolII</a:t>
+            </a:r>
+            <a:endParaRPr lang="en-US" dirty="0">
+              <a:solidFill>
+                <a:schemeClr val="tx1"/>
+              </a:solidFill>
+            </a:endParaRPr>
+          </a:p>
+        </p:txBody>
+      </p:sp>
+      <p:sp>
+        <p:nvSpPr>
+          <p:cNvPr id="27" name="Rectangle 26"/>
+          <p:cNvSpPr/>
+          <p:nvPr/>
+        </p:nvSpPr>
+        <p:spPr>
+          <a:xfrm>
+            <a:off x="6268859" y="1380560"/>
+            <a:ext cx="653528" cy="312651"/>
+          </a:xfrm>
+          <a:prstGeom prst="rect">
+            <a:avLst/>
+          </a:prstGeom>
+          <a:solidFill>
+            <a:schemeClr val="accent3">
+              <a:lumMod val="60000"/>
+              <a:lumOff val="40000"/>
+            </a:schemeClr>
+          </a:solidFill>
+          <a:ln>
+            <a:solidFill>
+              <a:schemeClr val="accent3">
+                <a:lumMod val="60000"/>
+                <a:lumOff val="40000"/>
+              </a:schemeClr>
+            </a:solidFill>
+          </a:ln>
+        </p:spPr>
+        <p:style>
+          <a:lnRef idx="2">
+            <a:schemeClr val="accent1">
+              <a:shade val="50000"/>
+            </a:schemeClr>
+          </a:lnRef>
+          <a:fillRef idx="1">
+            <a:schemeClr val="accent1"/>
+          </a:fillRef>
+          <a:effectRef idx="0">
+            <a:schemeClr val="accent1"/>
+          </a:effectRef>
+          <a:fontRef idx="minor">
+            <a:schemeClr val="lt1"/>
+          </a:fontRef>
+        </p:style>
+        <p:txBody>
+          <a:bodyPr rtlCol="0" anchor="ctr"/>
+          <a:lstStyle/>
+          <a:p>
+            <a:pPr algn="ctr"/>
+            <a:r>
+              <a:rPr lang="en-GB" dirty="0" smtClean="0">
+                <a:solidFill>
+                  <a:schemeClr val="tx1"/>
+                </a:solidFill>
+              </a:rPr>
+              <a:t>Enh2</a:t>
+            </a:r>
+            <a:endParaRPr lang="en-US" dirty="0">
+              <a:solidFill>
+                <a:schemeClr val="tx1"/>
+              </a:solidFill>
+            </a:endParaRPr>
+          </a:p>
+        </p:txBody>
+      </p:sp>
+      <p:sp>
+        <p:nvSpPr>
+          <p:cNvPr id="28" name="Rectangle 27"/>
+          <p:cNvSpPr/>
+          <p:nvPr/>
+        </p:nvSpPr>
+        <p:spPr>
+          <a:xfrm rot="21387591">
+            <a:off x="5317153" y="3848021"/>
+            <a:ext cx="653528" cy="312651"/>
+          </a:xfrm>
+          <a:prstGeom prst="rect">
+            <a:avLst/>
+          </a:prstGeom>
+          <a:solidFill>
+            <a:schemeClr val="accent6">
+              <a:lumMod val="60000"/>
+              <a:lumOff val="40000"/>
+            </a:schemeClr>
+          </a:solidFill>
+          <a:ln>
+            <a:solidFill>
+              <a:srgbClr val="92D050"/>
+            </a:solidFill>
+          </a:ln>
+        </p:spPr>
+        <p:style>
+          <a:lnRef idx="2">
+            <a:schemeClr val="accent1">
+              <a:shade val="50000"/>
+            </a:schemeClr>
+          </a:lnRef>
+          <a:fillRef idx="1">
+            <a:schemeClr val="accent1"/>
+          </a:fillRef>
+          <a:effectRef idx="0">
+            <a:schemeClr val="accent1"/>
+          </a:effectRef>
+          <a:fontRef idx="minor">
+            <a:schemeClr val="lt1"/>
+          </a:fontRef>
+        </p:style>
+        <p:txBody>
+          <a:bodyPr rtlCol="0" anchor="ctr"/>
+          <a:lstStyle/>
+          <a:p>
+            <a:pPr algn="ctr"/>
+            <a:r>
+              <a:rPr lang="en-GB" dirty="0" smtClean="0">
+                <a:solidFill>
+                  <a:schemeClr val="tx1"/>
+                </a:solidFill>
+              </a:rPr>
+              <a:t>Enh4</a:t>
+            </a:r>
+            <a:endParaRPr lang="en-US" dirty="0">
+              <a:solidFill>
+                <a:schemeClr val="tx1"/>
+              </a:solidFill>
+            </a:endParaRPr>
+          </a:p>
+        </p:txBody>
+      </p:sp>
+      <p:sp>
+        <p:nvSpPr>
+          <p:cNvPr id="29" name="TextBox 28"/>
+          <p:cNvSpPr txBox="1"/>
+          <p:nvPr/>
+        </p:nvSpPr>
+        <p:spPr>
+          <a:xfrm>
+            <a:off x="5866235" y="4370467"/>
+            <a:ext cx="1244700" cy="369332"/>
+          </a:xfrm>
+          <a:prstGeom prst="rect">
+            <a:avLst/>
+          </a:prstGeom>
+          <a:noFill/>
+        </p:spPr>
+        <p:txBody>
+          <a:bodyPr wrap="none" rtlCol="0">
+            <a:spAutoFit/>
+          </a:bodyPr>
+          <a:lstStyle/>
+          <a:p>
+            <a:r>
+              <a:rPr lang="en-GB" dirty="0" smtClean="0"/>
+              <a:t>TSS Gene B</a:t>
+            </a:r>
+            <a:endParaRPr lang="en-US" dirty="0"/>
+          </a:p>
+        </p:txBody>
+      </p:sp>
+      <p:pic>
+        <p:nvPicPr>
+          <p:cNvPr id="30" name="Picture 2" descr="Enhancers and their features."/>
+          <p:cNvPicPr>
+            <a:picLocks noChangeAspect="1" noChangeArrowheads="1"/>
+          </p:cNvPicPr>
+          <p:nvPr/>
+        </p:nvPicPr>
+        <p:blipFill rotWithShape="1">
+          <a:blip r:embed="rId2">
+            <a:extLst>
+              <a:ext uri="{28A0092B-C50C-407E-A947-70E740481C1C}">
+                <a14:useLocalDpi xmlns:a14="http://schemas.microsoft.com/office/drawing/2010/main" val="0"/>
+              </a:ext>
+            </a:extLst>
+          </a:blip>
+          <a:srcRect l="69425" t="9701" r="22460" b="85467"/>
+          <a:stretch/>
+        </p:blipFill>
+        <p:spPr bwMode="auto">
+          <a:xfrm rot="19033603">
+            <a:off x="5439354" y="1614216"/>
+            <a:ext cx="853763" cy="520803"/>
+          </a:xfrm>
+          <a:prstGeom prst="rect">
+            <a:avLst/>
+          </a:prstGeom>
+          <a:noFill/>
+          <a:ln>
+            <a:noFill/>
+          </a:ln>
+          <a:extLst>
+            <a:ext uri="{909E8E84-426E-40DD-AFC4-6F175D3DCCD1}">
+              <a14:hiddenFill xmlns:a14="http://schemas.microsoft.com/office/drawing/2010/main">
+                <a:solidFill>
+                  <a:srgbClr val="FFFFFF"/>
+                </a:solidFill>
+              </a14:hiddenFill>
+            </a:ext>
+          </a:extLst>
+        </p:spPr>
+      </p:pic>
+      <p:pic>
+        <p:nvPicPr>
+          <p:cNvPr id="31" name="Picture 2" descr="Enhancers and their features."/>
+          <p:cNvPicPr>
+            <a:picLocks noChangeAspect="1" noChangeArrowheads="1"/>
+          </p:cNvPicPr>
+          <p:nvPr/>
+        </p:nvPicPr>
+        <p:blipFill rotWithShape="1">
+          <a:blip r:embed="rId2">
+            <a:extLst>
+              <a:ext uri="{28A0092B-C50C-407E-A947-70E740481C1C}">
+                <a14:useLocalDpi xmlns:a14="http://schemas.microsoft.com/office/drawing/2010/main" val="0"/>
+              </a:ext>
+            </a:extLst>
+          </a:blip>
+          <a:srcRect l="69425" t="9701" r="22460" b="85467"/>
+          <a:stretch/>
+        </p:blipFill>
+        <p:spPr bwMode="auto">
+          <a:xfrm>
+            <a:off x="6909499" y="1291703"/>
+            <a:ext cx="853763" cy="520803"/>
+          </a:xfrm>
+          <a:prstGeom prst="rect">
+            <a:avLst/>
+          </a:prstGeom>
+          <a:noFill/>
+          <a:ln>
+            <a:noFill/>
+          </a:ln>
+          <a:extLst>
+            <a:ext uri="{909E8E84-426E-40DD-AFC4-6F175D3DCCD1}">
+              <a14:hiddenFill xmlns:a14="http://schemas.microsoft.com/office/drawing/2010/main">
+                <a:solidFill>
+                  <a:srgbClr val="FFFFFF"/>
+                </a:solidFill>
+              </a14:hiddenFill>
+            </a:ext>
+          </a:extLst>
+        </p:spPr>
+      </p:pic>
+      <p:pic>
+        <p:nvPicPr>
+          <p:cNvPr id="32" name="Picture 2" descr="Enhancers and their features."/>
+          <p:cNvPicPr>
+            <a:picLocks noChangeAspect="1" noChangeArrowheads="1"/>
+          </p:cNvPicPr>
+          <p:nvPr/>
+        </p:nvPicPr>
+        <p:blipFill rotWithShape="1">
+          <a:blip r:embed="rId2">
+            <a:extLst>
+              <a:ext uri="{28A0092B-C50C-407E-A947-70E740481C1C}">
+                <a14:useLocalDpi xmlns:a14="http://schemas.microsoft.com/office/drawing/2010/main" val="0"/>
+              </a:ext>
+            </a:extLst>
+          </a:blip>
+          <a:srcRect l="69425" t="9701" r="22460" b="85467"/>
+          <a:stretch/>
+        </p:blipFill>
+        <p:spPr bwMode="auto">
+          <a:xfrm rot="1932744">
+            <a:off x="7679115" y="1581047"/>
+            <a:ext cx="853763" cy="520803"/>
+          </a:xfrm>
+          <a:prstGeom prst="rect">
+            <a:avLst/>
+          </a:prstGeom>
+          <a:noFill/>
+          <a:ln>
+            <a:noFill/>
+          </a:ln>
+          <a:extLst>
+            <a:ext uri="{909E8E84-426E-40DD-AFC4-6F175D3DCCD1}">
+              <a14:hiddenFill xmlns:a14="http://schemas.microsoft.com/office/drawing/2010/main">
+                <a:solidFill>
+                  <a:srgbClr val="FFFFFF"/>
+                </a:solidFill>
+              </a14:hiddenFill>
+            </a:ext>
+          </a:extLst>
+        </p:spPr>
+      </p:pic>
+      <p:pic>
+        <p:nvPicPr>
+          <p:cNvPr id="33" name="Picture 2" descr="Enhancers and their features."/>
+          <p:cNvPicPr>
+            <a:picLocks noChangeAspect="1" noChangeArrowheads="1"/>
+          </p:cNvPicPr>
+          <p:nvPr/>
+        </p:nvPicPr>
+        <p:blipFill rotWithShape="1">
+          <a:blip r:embed="rId2">
+            <a:extLst>
+              <a:ext uri="{28A0092B-C50C-407E-A947-70E740481C1C}">
+                <a14:useLocalDpi xmlns:a14="http://schemas.microsoft.com/office/drawing/2010/main" val="0"/>
+              </a:ext>
+            </a:extLst>
+          </a:blip>
+          <a:srcRect l="69425" t="9701" r="22460" b="85467"/>
+          <a:stretch/>
+        </p:blipFill>
+        <p:spPr bwMode="auto">
+          <a:xfrm rot="4191604">
+            <a:off x="8087743" y="2248449"/>
+            <a:ext cx="853763" cy="520803"/>
+          </a:xfrm>
+          <a:prstGeom prst="rect">
+            <a:avLst/>
+          </a:prstGeom>
+          <a:noFill/>
+          <a:ln>
+            <a:noFill/>
+          </a:ln>
+          <a:extLst>
+            <a:ext uri="{909E8E84-426E-40DD-AFC4-6F175D3DCCD1}">
+              <a14:hiddenFill xmlns:a14="http://schemas.microsoft.com/office/drawing/2010/main">
+                <a:solidFill>
+                  <a:srgbClr val="FFFFFF"/>
+                </a:solidFill>
+              </a14:hiddenFill>
+            </a:ext>
+          </a:extLst>
+        </p:spPr>
+      </p:pic>
+      <p:pic>
+        <p:nvPicPr>
+          <p:cNvPr id="34" name="Picture 2" descr="Enhancers and their features."/>
+          <p:cNvPicPr>
+            <a:picLocks noChangeAspect="1" noChangeArrowheads="1"/>
+          </p:cNvPicPr>
+          <p:nvPr/>
+        </p:nvPicPr>
+        <p:blipFill rotWithShape="1">
+          <a:blip r:embed="rId2">
+            <a:extLst>
+              <a:ext uri="{28A0092B-C50C-407E-A947-70E740481C1C}">
+                <a14:useLocalDpi xmlns:a14="http://schemas.microsoft.com/office/drawing/2010/main" val="0"/>
+              </a:ext>
+            </a:extLst>
+          </a:blip>
+          <a:srcRect l="69425" t="9701" r="22460" b="85467"/>
+          <a:stretch/>
+        </p:blipFill>
+        <p:spPr bwMode="auto">
+          <a:xfrm rot="18735456">
+            <a:off x="7874475" y="2938631"/>
+            <a:ext cx="853763" cy="520803"/>
+          </a:xfrm>
+          <a:prstGeom prst="rect">
+            <a:avLst/>
+          </a:prstGeom>
+          <a:noFill/>
+          <a:ln>
+            <a:noFill/>
+          </a:ln>
+          <a:extLst>
+            <a:ext uri="{909E8E84-426E-40DD-AFC4-6F175D3DCCD1}">
+              <a14:hiddenFill xmlns:a14="http://schemas.microsoft.com/office/drawing/2010/main">
+                <a:solidFill>
+                  <a:srgbClr val="FFFFFF"/>
+                </a:solidFill>
+              </a14:hiddenFill>
+            </a:ext>
+          </a:extLst>
+        </p:spPr>
+      </p:pic>
+      <p:sp>
+        <p:nvSpPr>
+          <p:cNvPr id="35" name="Oval 34"/>
+          <p:cNvSpPr/>
+          <p:nvPr/>
+        </p:nvSpPr>
+        <p:spPr>
+          <a:xfrm>
+            <a:off x="6329900" y="3256107"/>
+            <a:ext cx="1036694" cy="365660"/>
+          </a:xfrm>
+          <a:prstGeom prst="ellipse">
+            <a:avLst/>
+          </a:prstGeom>
+          <a:solidFill>
+            <a:schemeClr val="accent4">
+              <a:lumMod val="60000"/>
+              <a:lumOff val="40000"/>
+            </a:schemeClr>
+          </a:solidFill>
+          <a:ln>
+            <a:solidFill>
+              <a:srgbClr val="FFC000"/>
+            </a:solidFill>
+          </a:ln>
+        </p:spPr>
+        <p:style>
+          <a:lnRef idx="2">
+            <a:schemeClr val="accent1">
+              <a:shade val="50000"/>
+            </a:schemeClr>
+          </a:lnRef>
+          <a:fillRef idx="1">
+            <a:schemeClr val="accent1"/>
+          </a:fillRef>
+          <a:effectRef idx="0">
+            <a:schemeClr val="accent1"/>
+          </a:effectRef>
+          <a:fontRef idx="minor">
+            <a:schemeClr val="lt1"/>
+          </a:fontRef>
+        </p:style>
+        <p:txBody>
+          <a:bodyPr rtlCol="0" anchor="ctr"/>
+          <a:lstStyle/>
+          <a:p>
+            <a:pPr algn="ctr"/>
+            <a:r>
+              <a:rPr lang="en-GB" dirty="0" err="1" smtClean="0">
+                <a:solidFill>
+                  <a:schemeClr val="tx1"/>
+                </a:solidFill>
+              </a:rPr>
+              <a:t>PolII</a:t>
+            </a:r>
+            <a:endParaRPr lang="en-US" dirty="0">
+              <a:solidFill>
+                <a:schemeClr val="tx1"/>
+              </a:solidFill>
+            </a:endParaRPr>
+          </a:p>
+        </p:txBody>
+      </p:sp>
+      <p:sp>
+        <p:nvSpPr>
+          <p:cNvPr id="36" name="Snip Same Side Corner Rectangle 35"/>
+          <p:cNvSpPr/>
+          <p:nvPr/>
+        </p:nvSpPr>
+        <p:spPr>
+          <a:xfrm>
+            <a:off x="6043512" y="3562174"/>
+            <a:ext cx="572775" cy="531936"/>
+          </a:xfrm>
+          <a:prstGeom prst="snip2SameRect">
+            <a:avLst/>
+          </a:prstGeom>
+          <a:solidFill>
+            <a:srgbClr val="00B050"/>
+          </a:solidFill>
+          <a:ln>
+            <a:solidFill>
+              <a:srgbClr val="00B050"/>
+            </a:solidFill>
+          </a:ln>
+        </p:spPr>
+        <p:style>
+          <a:lnRef idx="2">
+            <a:schemeClr val="accent1">
+              <a:shade val="50000"/>
+            </a:schemeClr>
+          </a:lnRef>
+          <a:fillRef idx="1">
+            <a:schemeClr val="accent1"/>
+          </a:fillRef>
+          <a:effectRef idx="0">
+            <a:schemeClr val="accent1"/>
+          </a:effectRef>
+          <a:fontRef idx="minor">
+            <a:schemeClr val="lt1"/>
+          </a:fontRef>
+        </p:style>
+        <p:txBody>
+          <a:bodyPr rtlCol="0" anchor="ctr"/>
+          <a:lstStyle/>
+          <a:p>
+            <a:pPr algn="ctr"/>
+            <a:r>
+              <a:rPr lang="en-GB" dirty="0" smtClean="0">
+                <a:solidFill>
+                  <a:schemeClr val="tx1"/>
+                </a:solidFill>
+              </a:rPr>
+              <a:t>TF</a:t>
+            </a:r>
+            <a:endParaRPr lang="en-US" dirty="0">
+              <a:solidFill>
+                <a:schemeClr val="tx1"/>
+              </a:solidFill>
+            </a:endParaRPr>
+          </a:p>
+        </p:txBody>
+      </p:sp>
+      <p:pic>
+        <p:nvPicPr>
+          <p:cNvPr id="38" name="Picture 2" descr="Enhancers and their features."/>
+          <p:cNvPicPr>
+            <a:picLocks noChangeAspect="1" noChangeArrowheads="1"/>
+          </p:cNvPicPr>
+          <p:nvPr/>
+        </p:nvPicPr>
+        <p:blipFill rotWithShape="1">
+          <a:blip r:embed="rId2">
+            <a:extLst>
+              <a:ext uri="{28A0092B-C50C-407E-A947-70E740481C1C}">
+                <a14:useLocalDpi xmlns:a14="http://schemas.microsoft.com/office/drawing/2010/main" val="0"/>
+              </a:ext>
+            </a:extLst>
+          </a:blip>
+          <a:srcRect l="69425" t="9701" r="22460" b="85467"/>
+          <a:stretch/>
+        </p:blipFill>
+        <p:spPr bwMode="auto">
+          <a:xfrm rot="20886986">
+            <a:off x="274372" y="4586232"/>
+            <a:ext cx="853763" cy="520803"/>
+          </a:xfrm>
+          <a:prstGeom prst="rect">
+            <a:avLst/>
+          </a:prstGeom>
+          <a:noFill/>
+          <a:ln>
+            <a:noFill/>
+          </a:ln>
+          <a:extLst>
+            <a:ext uri="{909E8E84-426E-40DD-AFC4-6F175D3DCCD1}">
+              <a14:hiddenFill xmlns:a14="http://schemas.microsoft.com/office/drawing/2010/main">
+                <a:solidFill>
+                  <a:srgbClr val="FFFFFF"/>
+                </a:solidFill>
+              </a14:hiddenFill>
+            </a:ext>
+          </a:extLst>
+        </p:spPr>
+      </p:pic>
+      <p:pic>
+        <p:nvPicPr>
+          <p:cNvPr id="39" name="Picture 2" descr="Enhancers and their features."/>
+          <p:cNvPicPr>
+            <a:picLocks noChangeAspect="1" noChangeArrowheads="1"/>
+          </p:cNvPicPr>
+          <p:nvPr/>
+        </p:nvPicPr>
+        <p:blipFill rotWithShape="1">
+          <a:blip r:embed="rId2">
+            <a:extLst>
+              <a:ext uri="{28A0092B-C50C-407E-A947-70E740481C1C}">
+                <a14:useLocalDpi xmlns:a14="http://schemas.microsoft.com/office/drawing/2010/main" val="0"/>
+              </a:ext>
+            </a:extLst>
+          </a:blip>
+          <a:srcRect l="69425" t="9701" r="22460" b="85467"/>
+          <a:stretch/>
+        </p:blipFill>
+        <p:spPr bwMode="auto">
+          <a:xfrm rot="17488669">
+            <a:off x="1458702" y="3617483"/>
+            <a:ext cx="853763" cy="520803"/>
+          </a:xfrm>
+          <a:prstGeom prst="rect">
+            <a:avLst/>
+          </a:prstGeom>
+          <a:noFill/>
+          <a:ln>
+            <a:noFill/>
+          </a:ln>
+          <a:extLst>
+            <a:ext uri="{909E8E84-426E-40DD-AFC4-6F175D3DCCD1}">
+              <a14:hiddenFill xmlns:a14="http://schemas.microsoft.com/office/drawing/2010/main">
+                <a:solidFill>
+                  <a:srgbClr val="FFFFFF"/>
+                </a:solidFill>
+              </a14:hiddenFill>
+            </a:ext>
+          </a:extLst>
+        </p:spPr>
+      </p:pic>
+      <p:sp>
+        <p:nvSpPr>
+          <p:cNvPr id="40" name="Oval 39"/>
+          <p:cNvSpPr/>
+          <p:nvPr/>
+        </p:nvSpPr>
+        <p:spPr>
+          <a:xfrm>
+            <a:off x="5429262" y="3394799"/>
+            <a:ext cx="591924" cy="462788"/>
+          </a:xfrm>
+          <a:prstGeom prst="ellipse">
+            <a:avLst/>
+          </a:prstGeom>
+          <a:solidFill>
+            <a:srgbClr val="7030A0"/>
+          </a:solidFill>
+          <a:ln>
+            <a:solidFill>
+              <a:srgbClr val="7030A0"/>
+            </a:solidFill>
+          </a:ln>
+        </p:spPr>
+        <p:style>
+          <a:lnRef idx="2">
+            <a:schemeClr val="accent1">
+              <a:shade val="50000"/>
+            </a:schemeClr>
+          </a:lnRef>
+          <a:fillRef idx="1">
+            <a:schemeClr val="accent1"/>
+          </a:fillRef>
+          <a:effectRef idx="0">
+            <a:schemeClr val="accent1"/>
+          </a:effectRef>
+          <a:fontRef idx="minor">
+            <a:schemeClr val="lt1"/>
+          </a:fontRef>
+        </p:style>
+        <p:txBody>
+          <a:bodyPr rtlCol="0" anchor="ctr"/>
+          <a:lstStyle/>
+          <a:p>
+            <a:pPr algn="ctr"/>
+            <a:r>
+              <a:rPr lang="en-GB" dirty="0" smtClean="0"/>
+              <a:t>TF</a:t>
+            </a:r>
+            <a:endParaRPr lang="en-US" dirty="0"/>
+          </a:p>
+        </p:txBody>
+      </p:sp>
+      <p:sp>
+        <p:nvSpPr>
+          <p:cNvPr id="41" name="Hexagon 40"/>
+          <p:cNvSpPr/>
+          <p:nvPr/>
+        </p:nvSpPr>
+        <p:spPr>
+          <a:xfrm>
+            <a:off x="3051919" y="2820330"/>
+            <a:ext cx="951702" cy="568070"/>
+          </a:xfrm>
+          <a:prstGeom prst="hexagon">
+            <a:avLst/>
+          </a:prstGeom>
+          <a:solidFill>
+            <a:schemeClr val="accent2">
+              <a:lumMod val="20000"/>
+              <a:lumOff val="80000"/>
+            </a:schemeClr>
+          </a:solidFill>
+        </p:spPr>
+        <p:style>
+          <a:lnRef idx="2">
+            <a:schemeClr val="accent1">
+              <a:shade val="50000"/>
+            </a:schemeClr>
+          </a:lnRef>
+          <a:fillRef idx="1">
+            <a:schemeClr val="accent1"/>
+          </a:fillRef>
+          <a:effectRef idx="0">
+            <a:schemeClr val="accent1"/>
+          </a:effectRef>
+          <a:fontRef idx="minor">
+            <a:schemeClr val="lt1"/>
+          </a:fontRef>
+        </p:style>
+        <p:txBody>
+          <a:bodyPr rtlCol="0" anchor="ctr"/>
+          <a:lstStyle/>
+          <a:p>
+            <a:pPr algn="ctr"/>
+            <a:r>
+              <a:rPr lang="en-GB" dirty="0" smtClean="0">
+                <a:solidFill>
+                  <a:schemeClr val="tx1"/>
+                </a:solidFill>
+              </a:rPr>
+              <a:t>CTCF</a:t>
+            </a:r>
+            <a:endParaRPr lang="en-US" dirty="0">
+              <a:solidFill>
+                <a:schemeClr val="tx1"/>
+              </a:solidFill>
+            </a:endParaRPr>
+          </a:p>
+        </p:txBody>
+      </p:sp>
+      <p:pic>
+        <p:nvPicPr>
+          <p:cNvPr id="43" name="Picture 2" descr="Enhancers and their features."/>
+          <p:cNvPicPr>
+            <a:picLocks noChangeAspect="1" noChangeArrowheads="1"/>
+          </p:cNvPicPr>
+          <p:nvPr/>
+        </p:nvPicPr>
+        <p:blipFill rotWithShape="1">
+          <a:blip r:embed="rId2">
+            <a:extLst>
+              <a:ext uri="{28A0092B-C50C-407E-A947-70E740481C1C}">
+                <a14:useLocalDpi xmlns:a14="http://schemas.microsoft.com/office/drawing/2010/main" val="0"/>
+              </a:ext>
+            </a:extLst>
+          </a:blip>
+          <a:srcRect l="69425" t="9701" r="22460" b="85467"/>
+          <a:stretch/>
+        </p:blipFill>
+        <p:spPr bwMode="auto">
+          <a:xfrm rot="18735456">
+            <a:off x="7267642" y="3532429"/>
+            <a:ext cx="853763" cy="520803"/>
+          </a:xfrm>
+          <a:prstGeom prst="rect">
+            <a:avLst/>
+          </a:prstGeom>
+          <a:noFill/>
+          <a:ln>
+            <a:noFill/>
+          </a:ln>
+          <a:extLst>
+            <a:ext uri="{909E8E84-426E-40DD-AFC4-6F175D3DCCD1}">
+              <a14:hiddenFill xmlns:a14="http://schemas.microsoft.com/office/drawing/2010/main">
+                <a:solidFill>
+                  <a:srgbClr val="FFFFFF"/>
+                </a:solidFill>
+              </a14:hiddenFill>
+            </a:ext>
+          </a:extLst>
+        </p:spPr>
+      </p:pic>
+      <p:sp>
+        <p:nvSpPr>
+          <p:cNvPr id="37" name="Regular Pentagon 36"/>
+          <p:cNvSpPr/>
+          <p:nvPr/>
+        </p:nvSpPr>
+        <p:spPr>
+          <a:xfrm>
+            <a:off x="6616287" y="3584814"/>
+            <a:ext cx="734723" cy="545547"/>
+          </a:xfrm>
+          <a:prstGeom prst="pentagon">
+            <a:avLst/>
+          </a:prstGeom>
+          <a:solidFill>
+            <a:schemeClr val="accent1">
+              <a:lumMod val="40000"/>
+              <a:lumOff val="60000"/>
+            </a:schemeClr>
+          </a:solidFill>
+        </p:spPr>
+        <p:style>
+          <a:lnRef idx="2">
+            <a:schemeClr val="accent1">
+              <a:shade val="50000"/>
+            </a:schemeClr>
+          </a:lnRef>
+          <a:fillRef idx="1">
+            <a:schemeClr val="accent1"/>
+          </a:fillRef>
+          <a:effectRef idx="0">
+            <a:schemeClr val="accent1"/>
+          </a:effectRef>
+          <a:fontRef idx="minor">
+            <a:schemeClr val="lt1"/>
+          </a:fontRef>
+        </p:style>
+        <p:txBody>
+          <a:bodyPr rtlCol="0" anchor="ctr"/>
+          <a:lstStyle/>
+          <a:p>
+            <a:pPr algn="ctr"/>
+            <a:r>
+              <a:rPr lang="en-GB" dirty="0" smtClean="0">
+                <a:solidFill>
+                  <a:schemeClr val="tx1"/>
+                </a:solidFill>
+              </a:rPr>
+              <a:t>TF</a:t>
+            </a:r>
+            <a:endParaRPr lang="en-US" dirty="0">
+              <a:solidFill>
+                <a:schemeClr val="tx1"/>
+              </a:solidFill>
+            </a:endParaRPr>
+          </a:p>
+        </p:txBody>
+      </p:sp>
+      <p:pic>
+        <p:nvPicPr>
+          <p:cNvPr id="44" name="Picture 2" descr="Enhancers and their features."/>
+          <p:cNvPicPr>
+            <a:picLocks noChangeAspect="1" noChangeArrowheads="1"/>
+          </p:cNvPicPr>
+          <p:nvPr/>
+        </p:nvPicPr>
+        <p:blipFill rotWithShape="1">
+          <a:blip r:embed="rId2">
+            <a:extLst>
+              <a:ext uri="{28A0092B-C50C-407E-A947-70E740481C1C}">
+                <a14:useLocalDpi xmlns:a14="http://schemas.microsoft.com/office/drawing/2010/main" val="0"/>
+              </a:ext>
+            </a:extLst>
+          </a:blip>
+          <a:srcRect l="69425" t="9701" r="22460" b="85467"/>
+          <a:stretch/>
+        </p:blipFill>
+        <p:spPr bwMode="auto">
+          <a:xfrm rot="2641501">
+            <a:off x="4271832" y="3484303"/>
+            <a:ext cx="853763" cy="520803"/>
+          </a:xfrm>
+          <a:prstGeom prst="rect">
+            <a:avLst/>
+          </a:prstGeom>
+          <a:noFill/>
+          <a:ln>
+            <a:noFill/>
+          </a:ln>
+          <a:extLst>
+            <a:ext uri="{909E8E84-426E-40DD-AFC4-6F175D3DCCD1}">
+              <a14:hiddenFill xmlns:a14="http://schemas.microsoft.com/office/drawing/2010/main">
+                <a:solidFill>
+                  <a:srgbClr val="FFFFFF"/>
+                </a:solidFill>
+              </a14:hiddenFill>
+            </a:ext>
+          </a:extLst>
+        </p:spPr>
+      </p:pic>
+      <p:sp>
+        <p:nvSpPr>
+          <p:cNvPr id="47" name="Freeform 46"/>
+          <p:cNvSpPr/>
+          <p:nvPr/>
+        </p:nvSpPr>
+        <p:spPr>
+          <a:xfrm>
+            <a:off x="3465095" y="5111015"/>
+            <a:ext cx="837398" cy="154011"/>
+          </a:xfrm>
+          <a:custGeom>
+            <a:avLst/>
+            <a:gdLst>
+              <a:gd name="connsiteX0" fmla="*/ 0 w 837398"/>
+              <a:gd name="connsiteY0" fmla="*/ 115503 h 154011"/>
+              <a:gd name="connsiteX1" fmla="*/ 28876 w 837398"/>
+              <a:gd name="connsiteY1" fmla="*/ 9625 h 154011"/>
+              <a:gd name="connsiteX2" fmla="*/ 57751 w 837398"/>
+              <a:gd name="connsiteY2" fmla="*/ 0 h 154011"/>
+              <a:gd name="connsiteX3" fmla="*/ 115503 w 837398"/>
+              <a:gd name="connsiteY3" fmla="*/ 9625 h 154011"/>
+              <a:gd name="connsiteX4" fmla="*/ 154004 w 837398"/>
+              <a:gd name="connsiteY4" fmla="*/ 67377 h 154011"/>
+              <a:gd name="connsiteX5" fmla="*/ 250257 w 837398"/>
+              <a:gd name="connsiteY5" fmla="*/ 96252 h 154011"/>
+              <a:gd name="connsiteX6" fmla="*/ 298383 w 837398"/>
+              <a:gd name="connsiteY6" fmla="*/ 57751 h 154011"/>
+              <a:gd name="connsiteX7" fmla="*/ 385010 w 837398"/>
+              <a:gd name="connsiteY7" fmla="*/ 9625 h 154011"/>
+              <a:gd name="connsiteX8" fmla="*/ 442762 w 837398"/>
+              <a:gd name="connsiteY8" fmla="*/ 96252 h 154011"/>
+              <a:gd name="connsiteX9" fmla="*/ 462012 w 837398"/>
+              <a:gd name="connsiteY9" fmla="*/ 125128 h 154011"/>
+              <a:gd name="connsiteX10" fmla="*/ 519764 w 837398"/>
+              <a:gd name="connsiteY10" fmla="*/ 144379 h 154011"/>
+              <a:gd name="connsiteX11" fmla="*/ 587141 w 837398"/>
+              <a:gd name="connsiteY11" fmla="*/ 134753 h 154011"/>
+              <a:gd name="connsiteX12" fmla="*/ 596766 w 837398"/>
+              <a:gd name="connsiteY12" fmla="*/ 96252 h 154011"/>
+              <a:gd name="connsiteX13" fmla="*/ 644892 w 837398"/>
+              <a:gd name="connsiteY13" fmla="*/ 57751 h 154011"/>
+              <a:gd name="connsiteX14" fmla="*/ 712269 w 837398"/>
+              <a:gd name="connsiteY14" fmla="*/ 67377 h 154011"/>
+              <a:gd name="connsiteX15" fmla="*/ 779646 w 837398"/>
+              <a:gd name="connsiteY15" fmla="*/ 144379 h 154011"/>
+              <a:gd name="connsiteX16" fmla="*/ 837398 w 837398"/>
+              <a:gd name="connsiteY16" fmla="*/ 154004 h 154011"/>
+            </a:gdLst>
+            <a:ahLst/>
+            <a:cxnLst>
+              <a:cxn ang="0">
+                <a:pos x="connsiteX0" y="connsiteY0"/>
+              </a:cxn>
+              <a:cxn ang="0">
+                <a:pos x="connsiteX1" y="connsiteY1"/>
+              </a:cxn>
+              <a:cxn ang="0">
+                <a:pos x="connsiteX2" y="connsiteY2"/>
+              </a:cxn>
+              <a:cxn ang="0">
+                <a:pos x="connsiteX3" y="connsiteY3"/>
+              </a:cxn>
+              <a:cxn ang="0">
+                <a:pos x="connsiteX4" y="connsiteY4"/>
+              </a:cxn>
+              <a:cxn ang="0">
+                <a:pos x="connsiteX5" y="connsiteY5"/>
+              </a:cxn>
+              <a:cxn ang="0">
+                <a:pos x="connsiteX6" y="connsiteY6"/>
+              </a:cxn>
+              <a:cxn ang="0">
+                <a:pos x="connsiteX7" y="connsiteY7"/>
+              </a:cxn>
+              <a:cxn ang="0">
+                <a:pos x="connsiteX8" y="connsiteY8"/>
+              </a:cxn>
+              <a:cxn ang="0">
+                <a:pos x="connsiteX9" y="connsiteY9"/>
+              </a:cxn>
+              <a:cxn ang="0">
+                <a:pos x="connsiteX10" y="connsiteY10"/>
+              </a:cxn>
+              <a:cxn ang="0">
+                <a:pos x="connsiteX11" y="connsiteY11"/>
+              </a:cxn>
+              <a:cxn ang="0">
+                <a:pos x="connsiteX12" y="connsiteY12"/>
+              </a:cxn>
+              <a:cxn ang="0">
+                <a:pos x="connsiteX13" y="connsiteY13"/>
+              </a:cxn>
+              <a:cxn ang="0">
+                <a:pos x="connsiteX14" y="connsiteY14"/>
+              </a:cxn>
+              <a:cxn ang="0">
+                <a:pos x="connsiteX15" y="connsiteY15"/>
+              </a:cxn>
+              <a:cxn ang="0">
+                <a:pos x="connsiteX16" y="connsiteY16"/>
+              </a:cxn>
+            </a:cxnLst>
+            <a:rect l="l" t="t" r="r" b="b"/>
+            <a:pathLst>
+              <a:path w="837398" h="154011">
+                <a:moveTo>
+                  <a:pt x="0" y="115503"/>
+                </a:moveTo>
+                <a:cubicBezTo>
+                  <a:pt x="3756" y="85454"/>
+                  <a:pt x="-1457" y="33892"/>
+                  <a:pt x="28876" y="9625"/>
+                </a:cubicBezTo>
+                <a:cubicBezTo>
+                  <a:pt x="36798" y="3287"/>
+                  <a:pt x="48126" y="3208"/>
+                  <a:pt x="57751" y="0"/>
+                </a:cubicBezTo>
+                <a:cubicBezTo>
+                  <a:pt x="77002" y="3208"/>
+                  <a:pt x="99515" y="-1567"/>
+                  <a:pt x="115503" y="9625"/>
+                </a:cubicBezTo>
+                <a:cubicBezTo>
+                  <a:pt x="134457" y="22893"/>
+                  <a:pt x="132055" y="60061"/>
+                  <a:pt x="154004" y="67377"/>
+                </a:cubicBezTo>
+                <a:cubicBezTo>
+                  <a:pt x="224306" y="90810"/>
+                  <a:pt x="192070" y="81706"/>
+                  <a:pt x="250257" y="96252"/>
+                </a:cubicBezTo>
+                <a:cubicBezTo>
+                  <a:pt x="285825" y="42900"/>
+                  <a:pt x="249157" y="85099"/>
+                  <a:pt x="298383" y="57751"/>
+                </a:cubicBezTo>
+                <a:cubicBezTo>
+                  <a:pt x="397668" y="2592"/>
+                  <a:pt x="319673" y="31403"/>
+                  <a:pt x="385010" y="9625"/>
+                </a:cubicBezTo>
+                <a:cubicBezTo>
+                  <a:pt x="467715" y="26165"/>
+                  <a:pt x="416540" y="103"/>
+                  <a:pt x="442762" y="96252"/>
+                </a:cubicBezTo>
+                <a:cubicBezTo>
+                  <a:pt x="445806" y="107412"/>
+                  <a:pt x="452202" y="118997"/>
+                  <a:pt x="462012" y="125128"/>
+                </a:cubicBezTo>
+                <a:cubicBezTo>
+                  <a:pt x="479220" y="135883"/>
+                  <a:pt x="519764" y="144379"/>
+                  <a:pt x="519764" y="144379"/>
+                </a:cubicBezTo>
+                <a:cubicBezTo>
+                  <a:pt x="542223" y="141170"/>
+                  <a:pt x="567903" y="146777"/>
+                  <a:pt x="587141" y="134753"/>
+                </a:cubicBezTo>
+                <a:cubicBezTo>
+                  <a:pt x="598359" y="127742"/>
+                  <a:pt x="591555" y="108411"/>
+                  <a:pt x="596766" y="96252"/>
+                </a:cubicBezTo>
+                <a:cubicBezTo>
+                  <a:pt x="611278" y="62391"/>
+                  <a:pt x="614135" y="68004"/>
+                  <a:pt x="644892" y="57751"/>
+                </a:cubicBezTo>
+                <a:cubicBezTo>
+                  <a:pt x="667351" y="60960"/>
+                  <a:pt x="693129" y="55197"/>
+                  <a:pt x="712269" y="67377"/>
+                </a:cubicBezTo>
+                <a:cubicBezTo>
+                  <a:pt x="798196" y="122058"/>
+                  <a:pt x="711015" y="118642"/>
+                  <a:pt x="779646" y="144379"/>
+                </a:cubicBezTo>
+                <a:cubicBezTo>
+                  <a:pt x="806990" y="154633"/>
+                  <a:pt x="816105" y="154004"/>
+                  <a:pt x="837398" y="154004"/>
+                </a:cubicBezTo>
+              </a:path>
+            </a:pathLst>
+          </a:custGeom>
+          <a:noFill/>
+          <a:ln w="28575">
+            <a:solidFill>
+              <a:srgbClr val="FF0000"/>
+            </a:solidFill>
+          </a:ln>
+        </p:spPr>
+        <p:style>
+          <a:lnRef idx="2">
+            <a:schemeClr val="accent1">
+              <a:shade val="50000"/>
+            </a:schemeClr>
+          </a:lnRef>
+          <a:fillRef idx="1">
+            <a:schemeClr val="accent1"/>
+          </a:fillRef>
+          <a:effectRef idx="0">
+            <a:schemeClr val="accent1"/>
+          </a:effectRef>
+          <a:fontRef idx="minor">
+            <a:schemeClr val="lt1"/>
+          </a:fontRef>
+        </p:style>
+        <p:txBody>
+          <a:bodyPr rtlCol="0" anchor="ctr"/>
+          <a:lstStyle/>
+          <a:p>
+            <a:pPr algn="ctr"/>
+            <a:endParaRPr lang="en-US"/>
+          </a:p>
+        </p:txBody>
+      </p:sp>
+    </p:spTree>
+    <p:extLst>
+      <p:ext uri="{BB962C8B-B14F-4D97-AF65-F5344CB8AC3E}">
+        <p14:creationId xmlns:p14="http://schemas.microsoft.com/office/powerpoint/2010/main" val="2544586559"/>
+      </p:ext>
+    </p:extLst>
+  </p:cSld>
+  <p:clrMapOvr>
+    <a:masterClrMapping/>
+  </p:clrMapOvr>
 </p:sld>
 </file>
 

--- a/Introduction/epigenetics_gene_regulation_figure.pptx
+++ b/Introduction/epigenetics_gene_regulation_figure.pptx
@@ -244,7 +244,7 @@
           <a:p>
             <a:fld id="{9CB17A0B-8C87-4EBD-BD1D-534AEC2F2814}" type="datetimeFigureOut">
               <a:rPr lang="en-US" smtClean="0"/>
-              <a:t>1/7/2019</a:t>
+              <a:t>1/16/2019</a:t>
             </a:fld>
             <a:endParaRPr lang="en-US"/>
           </a:p>
@@ -414,7 +414,7 @@
           <a:p>
             <a:fld id="{9CB17A0B-8C87-4EBD-BD1D-534AEC2F2814}" type="datetimeFigureOut">
               <a:rPr lang="en-US" smtClean="0"/>
-              <a:t>1/7/2019</a:t>
+              <a:t>1/16/2019</a:t>
             </a:fld>
             <a:endParaRPr lang="en-US"/>
           </a:p>
@@ -594,7 +594,7 @@
           <a:p>
             <a:fld id="{9CB17A0B-8C87-4EBD-BD1D-534AEC2F2814}" type="datetimeFigureOut">
               <a:rPr lang="en-US" smtClean="0"/>
-              <a:t>1/7/2019</a:t>
+              <a:t>1/16/2019</a:t>
             </a:fld>
             <a:endParaRPr lang="en-US"/>
           </a:p>
@@ -764,7 +764,7 @@
           <a:p>
             <a:fld id="{9CB17A0B-8C87-4EBD-BD1D-534AEC2F2814}" type="datetimeFigureOut">
               <a:rPr lang="en-US" smtClean="0"/>
-              <a:t>1/7/2019</a:t>
+              <a:t>1/16/2019</a:t>
             </a:fld>
             <a:endParaRPr lang="en-US"/>
           </a:p>
@@ -1008,7 +1008,7 @@
           <a:p>
             <a:fld id="{9CB17A0B-8C87-4EBD-BD1D-534AEC2F2814}" type="datetimeFigureOut">
               <a:rPr lang="en-US" smtClean="0"/>
-              <a:t>1/7/2019</a:t>
+              <a:t>1/16/2019</a:t>
             </a:fld>
             <a:endParaRPr lang="en-US"/>
           </a:p>
@@ -1240,7 +1240,7 @@
           <a:p>
             <a:fld id="{9CB17A0B-8C87-4EBD-BD1D-534AEC2F2814}" type="datetimeFigureOut">
               <a:rPr lang="en-US" smtClean="0"/>
-              <a:t>1/7/2019</a:t>
+              <a:t>1/16/2019</a:t>
             </a:fld>
             <a:endParaRPr lang="en-US"/>
           </a:p>
@@ -1607,7 +1607,7 @@
           <a:p>
             <a:fld id="{9CB17A0B-8C87-4EBD-BD1D-534AEC2F2814}" type="datetimeFigureOut">
               <a:rPr lang="en-US" smtClean="0"/>
-              <a:t>1/7/2019</a:t>
+              <a:t>1/16/2019</a:t>
             </a:fld>
             <a:endParaRPr lang="en-US"/>
           </a:p>
@@ -1725,7 +1725,7 @@
           <a:p>
             <a:fld id="{9CB17A0B-8C87-4EBD-BD1D-534AEC2F2814}" type="datetimeFigureOut">
               <a:rPr lang="en-US" smtClean="0"/>
-              <a:t>1/7/2019</a:t>
+              <a:t>1/16/2019</a:t>
             </a:fld>
             <a:endParaRPr lang="en-US"/>
           </a:p>
@@ -1820,7 +1820,7 @@
           <a:p>
             <a:fld id="{9CB17A0B-8C87-4EBD-BD1D-534AEC2F2814}" type="datetimeFigureOut">
               <a:rPr lang="en-US" smtClean="0"/>
-              <a:t>1/7/2019</a:t>
+              <a:t>1/16/2019</a:t>
             </a:fld>
             <a:endParaRPr lang="en-US"/>
           </a:p>
@@ -2097,7 +2097,7 @@
           <a:p>
             <a:fld id="{9CB17A0B-8C87-4EBD-BD1D-534AEC2F2814}" type="datetimeFigureOut">
               <a:rPr lang="en-US" smtClean="0"/>
-              <a:t>1/7/2019</a:t>
+              <a:t>1/16/2019</a:t>
             </a:fld>
             <a:endParaRPr lang="en-US"/>
           </a:p>
@@ -2354,7 +2354,7 @@
           <a:p>
             <a:fld id="{9CB17A0B-8C87-4EBD-BD1D-534AEC2F2814}" type="datetimeFigureOut">
               <a:rPr lang="en-US" smtClean="0"/>
-              <a:t>1/7/2019</a:t>
+              <a:t>1/16/2019</a:t>
             </a:fld>
             <a:endParaRPr lang="en-US"/>
           </a:p>
@@ -2567,7 +2567,7 @@
           <a:p>
             <a:fld id="{9CB17A0B-8C87-4EBD-BD1D-534AEC2F2814}" type="datetimeFigureOut">
               <a:rPr lang="en-US" smtClean="0"/>
-              <a:t>1/7/2019</a:t>
+              <a:t>1/16/2019</a:t>
             </a:fld>
             <a:endParaRPr lang="en-US"/>
           </a:p>
@@ -3751,7 +3751,7 @@
         </p:blipFill>
         <p:spPr bwMode="auto">
           <a:xfrm>
-            <a:off x="-2751567" y="6090209"/>
+            <a:off x="-3710572" y="5904356"/>
             <a:ext cx="4958720" cy="6225969"/>
           </a:xfrm>
           <a:prstGeom prst="rect">
@@ -7243,8 +7243,8 @@
         </p:nvSpPr>
         <p:spPr>
           <a:xfrm>
-            <a:off x="3051919" y="2820330"/>
-            <a:ext cx="951702" cy="568070"/>
+            <a:off x="3131649" y="2842118"/>
+            <a:ext cx="867240" cy="470977"/>
           </a:xfrm>
           <a:prstGeom prst="hexagon">
             <a:avLst/>
@@ -7443,7 +7443,7 @@
         </p:nvSpPr>
         <p:spPr>
           <a:xfrm>
-            <a:off x="3465095" y="5111015"/>
+            <a:off x="4940407" y="4503907"/>
             <a:ext cx="837398" cy="154011"/>
           </a:xfrm>
           <a:custGeom>
